--- a/Presentations/2b - Generics.pptx
+++ b/Presentations/2b - Generics.pptx
@@ -5,46 +5,47 @@
     <p:sldMasterId id="2147483659" r:id="rId1"/>
   </p:sldMasterIdLst>
   <p:notesMasterIdLst>
-    <p:notesMasterId r:id="rId22"/>
+    <p:notesMasterId r:id="rId23"/>
   </p:notesMasterIdLst>
   <p:sldIdLst>
     <p:sldId id="256" r:id="rId2"/>
-    <p:sldId id="257" r:id="rId3"/>
-    <p:sldId id="258" r:id="rId4"/>
-    <p:sldId id="259" r:id="rId5"/>
-    <p:sldId id="260" r:id="rId6"/>
-    <p:sldId id="261" r:id="rId7"/>
-    <p:sldId id="262" r:id="rId8"/>
-    <p:sldId id="263" r:id="rId9"/>
-    <p:sldId id="264" r:id="rId10"/>
-    <p:sldId id="265" r:id="rId11"/>
-    <p:sldId id="266" r:id="rId12"/>
-    <p:sldId id="267" r:id="rId13"/>
-    <p:sldId id="268" r:id="rId14"/>
-    <p:sldId id="269" r:id="rId15"/>
-    <p:sldId id="270" r:id="rId16"/>
-    <p:sldId id="271" r:id="rId17"/>
-    <p:sldId id="272" r:id="rId18"/>
-    <p:sldId id="273" r:id="rId19"/>
-    <p:sldId id="274" r:id="rId20"/>
-    <p:sldId id="275" r:id="rId21"/>
+    <p:sldId id="258" r:id="rId3"/>
+    <p:sldId id="259" r:id="rId4"/>
+    <p:sldId id="260" r:id="rId5"/>
+    <p:sldId id="261" r:id="rId6"/>
+    <p:sldId id="262" r:id="rId7"/>
+    <p:sldId id="263" r:id="rId8"/>
+    <p:sldId id="264" r:id="rId9"/>
+    <p:sldId id="265" r:id="rId10"/>
+    <p:sldId id="266" r:id="rId11"/>
+    <p:sldId id="267" r:id="rId12"/>
+    <p:sldId id="268" r:id="rId13"/>
+    <p:sldId id="277" r:id="rId14"/>
+    <p:sldId id="278" r:id="rId15"/>
+    <p:sldId id="269" r:id="rId16"/>
+    <p:sldId id="270" r:id="rId17"/>
+    <p:sldId id="271" r:id="rId18"/>
+    <p:sldId id="272" r:id="rId19"/>
+    <p:sldId id="273" r:id="rId20"/>
+    <p:sldId id="274" r:id="rId21"/>
+    <p:sldId id="276" r:id="rId22"/>
   </p:sldIdLst>
   <p:sldSz cx="9144000" cy="6858000" type="screen4x3"/>
   <p:notesSz cx="6858000" cy="9144000"/>
   <p:embeddedFontLst>
     <p:embeddedFont>
       <p:font typeface="Open Sans" charset="0"/>
-      <p:regular r:id="rId23"/>
-      <p:bold r:id="rId24"/>
-      <p:italic r:id="rId25"/>
-      <p:boldItalic r:id="rId26"/>
+      <p:regular r:id="rId24"/>
+      <p:bold r:id="rId25"/>
+      <p:italic r:id="rId26"/>
+      <p:boldItalic r:id="rId27"/>
     </p:embeddedFont>
     <p:embeddedFont>
       <p:font typeface="Calibri" pitchFamily="34" charset="0"/>
-      <p:regular r:id="rId27"/>
-      <p:bold r:id="rId28"/>
-      <p:italic r:id="rId29"/>
-      <p:boldItalic r:id="rId30"/>
+      <p:regular r:id="rId28"/>
+      <p:bold r:id="rId29"/>
+      <p:italic r:id="rId30"/>
+      <p:boldItalic r:id="rId31"/>
     </p:embeddedFont>
   </p:embeddedFontLst>
   <p:defaultTextStyle>
@@ -1135,7 +1136,7 @@
   <p:cSld>
     <p:spTree>
       <p:nvGrpSpPr>
-        <p:cNvPr id="1" name="Shape 174"/>
+        <p:cNvPr id="1" name="Shape 183"/>
         <p:cNvGrpSpPr/>
         <p:nvPr/>
       </p:nvGrpSpPr>
@@ -1149,7 +1150,7 @@
       </p:grpSpPr>
       <p:sp>
         <p:nvSpPr>
-          <p:cNvPr id="175" name="Shape 175"/>
+          <p:cNvPr id="184" name="Shape 184"/>
           <p:cNvSpPr txBox="1">
             <a:spLocks noGrp="1"/>
           </p:cNvSpPr>
@@ -1184,7 +1185,7 @@
       </p:sp>
       <p:sp>
         <p:nvSpPr>
-          <p:cNvPr id="176" name="Shape 176"/>
+          <p:cNvPr id="185" name="Shape 185"/>
           <p:cNvSpPr>
             <a:spLocks noGrp="1" noRot="1" noChangeAspect="1"/>
           </p:cNvSpPr>
@@ -1246,7 +1247,7 @@
   <p:cSld>
     <p:spTree>
       <p:nvGrpSpPr>
-        <p:cNvPr id="1" name="Shape 183"/>
+        <p:cNvPr id="1" name="Shape 194"/>
         <p:cNvGrpSpPr/>
         <p:nvPr/>
       </p:nvGrpSpPr>
@@ -1260,7 +1261,7 @@
       </p:grpSpPr>
       <p:sp>
         <p:nvSpPr>
-          <p:cNvPr id="184" name="Shape 184"/>
+          <p:cNvPr id="195" name="Shape 195"/>
           <p:cNvSpPr txBox="1">
             <a:spLocks noGrp="1"/>
           </p:cNvSpPr>
@@ -1295,7 +1296,7 @@
       </p:sp>
       <p:sp>
         <p:nvSpPr>
-          <p:cNvPr id="185" name="Shape 185"/>
+          <p:cNvPr id="196" name="Shape 196"/>
           <p:cNvSpPr>
             <a:spLocks noGrp="1" noRot="1" noChangeAspect="1"/>
           </p:cNvSpPr>
@@ -1357,7 +1358,7 @@
   <p:cSld>
     <p:spTree>
       <p:nvGrpSpPr>
-        <p:cNvPr id="1" name="Shape 194"/>
+        <p:cNvPr id="1" name="Shape 205"/>
         <p:cNvGrpSpPr/>
         <p:nvPr/>
       </p:nvGrpSpPr>
@@ -1371,7 +1372,7 @@
       </p:grpSpPr>
       <p:sp>
         <p:nvSpPr>
-          <p:cNvPr id="195" name="Shape 195"/>
+          <p:cNvPr id="206" name="Shape 206"/>
           <p:cNvSpPr txBox="1">
             <a:spLocks noGrp="1"/>
           </p:cNvSpPr>
@@ -1406,7 +1407,7 @@
       </p:sp>
       <p:sp>
         <p:nvSpPr>
-          <p:cNvPr id="196" name="Shape 196"/>
+          <p:cNvPr id="207" name="Shape 207"/>
           <p:cNvSpPr>
             <a:spLocks noGrp="1" noRot="1" noChangeAspect="1"/>
           </p:cNvSpPr>
@@ -1579,7 +1580,7 @@
   <p:cSld>
     <p:spTree>
       <p:nvGrpSpPr>
-        <p:cNvPr id="1" name="Shape 215"/>
+        <p:cNvPr id="1" name="Shape 205"/>
         <p:cNvGrpSpPr/>
         <p:nvPr/>
       </p:nvGrpSpPr>
@@ -1593,7 +1594,7 @@
       </p:grpSpPr>
       <p:sp>
         <p:nvSpPr>
-          <p:cNvPr id="216" name="Shape 216"/>
+          <p:cNvPr id="206" name="Shape 206"/>
           <p:cNvSpPr txBox="1">
             <a:spLocks noGrp="1"/>
           </p:cNvSpPr>
@@ -1628,7 +1629,7 @@
       </p:sp>
       <p:sp>
         <p:nvSpPr>
-          <p:cNvPr id="217" name="Shape 217"/>
+          <p:cNvPr id="207" name="Shape 207"/>
           <p:cNvSpPr>
             <a:spLocks noGrp="1" noRot="1" noChangeAspect="1"/>
           </p:cNvSpPr>
@@ -1690,7 +1691,7 @@
   <p:cSld>
     <p:spTree>
       <p:nvGrpSpPr>
-        <p:cNvPr id="1" name="Shape 224"/>
+        <p:cNvPr id="1" name="Shape 215"/>
         <p:cNvGrpSpPr/>
         <p:nvPr/>
       </p:nvGrpSpPr>
@@ -1704,7 +1705,7 @@
       </p:grpSpPr>
       <p:sp>
         <p:nvSpPr>
-          <p:cNvPr id="225" name="Shape 225"/>
+          <p:cNvPr id="216" name="Shape 216"/>
           <p:cNvSpPr txBox="1">
             <a:spLocks noGrp="1"/>
           </p:cNvSpPr>
@@ -1739,7 +1740,7 @@
       </p:sp>
       <p:sp>
         <p:nvSpPr>
-          <p:cNvPr id="226" name="Shape 226"/>
+          <p:cNvPr id="217" name="Shape 217"/>
           <p:cNvSpPr>
             <a:spLocks noGrp="1" noRot="1" noChangeAspect="1"/>
           </p:cNvSpPr>
@@ -1801,7 +1802,7 @@
   <p:cSld>
     <p:spTree>
       <p:nvGrpSpPr>
-        <p:cNvPr id="1" name="Shape 234"/>
+        <p:cNvPr id="1" name="Shape 224"/>
         <p:cNvGrpSpPr/>
         <p:nvPr/>
       </p:nvGrpSpPr>
@@ -1815,7 +1816,7 @@
       </p:grpSpPr>
       <p:sp>
         <p:nvSpPr>
-          <p:cNvPr id="235" name="Shape 235"/>
+          <p:cNvPr id="225" name="Shape 225"/>
           <p:cNvSpPr txBox="1">
             <a:spLocks noGrp="1"/>
           </p:cNvSpPr>
@@ -1850,7 +1851,7 @@
       </p:sp>
       <p:sp>
         <p:nvSpPr>
-          <p:cNvPr id="236" name="Shape 236"/>
+          <p:cNvPr id="226" name="Shape 226"/>
           <p:cNvSpPr>
             <a:spLocks noGrp="1" noRot="1" noChangeAspect="1"/>
           </p:cNvSpPr>
@@ -1912,7 +1913,7 @@
   <p:cSld>
     <p:spTree>
       <p:nvGrpSpPr>
-        <p:cNvPr id="1" name="Shape 243"/>
+        <p:cNvPr id="1" name="Shape 234"/>
         <p:cNvGrpSpPr/>
         <p:nvPr/>
       </p:nvGrpSpPr>
@@ -1926,7 +1927,7 @@
       </p:grpSpPr>
       <p:sp>
         <p:nvSpPr>
-          <p:cNvPr id="244" name="Shape 244"/>
+          <p:cNvPr id="235" name="Shape 235"/>
           <p:cNvSpPr txBox="1">
             <a:spLocks noGrp="1"/>
           </p:cNvSpPr>
@@ -1961,7 +1962,7 @@
       </p:sp>
       <p:sp>
         <p:nvSpPr>
-          <p:cNvPr id="245" name="Shape 245"/>
+          <p:cNvPr id="236" name="Shape 236"/>
           <p:cNvSpPr>
             <a:spLocks noGrp="1" noRot="1" noChangeAspect="1"/>
           </p:cNvSpPr>
@@ -2023,7 +2024,7 @@
   <p:cSld>
     <p:spTree>
       <p:nvGrpSpPr>
-        <p:cNvPr id="1" name="Shape 253"/>
+        <p:cNvPr id="1" name="Shape 243"/>
         <p:cNvGrpSpPr/>
         <p:nvPr/>
       </p:nvGrpSpPr>
@@ -2037,7 +2038,7 @@
       </p:grpSpPr>
       <p:sp>
         <p:nvSpPr>
-          <p:cNvPr id="254" name="Shape 254"/>
+          <p:cNvPr id="244" name="Shape 244"/>
           <p:cNvSpPr txBox="1">
             <a:spLocks noGrp="1"/>
           </p:cNvSpPr>
@@ -2072,7 +2073,7 @@
       </p:sp>
       <p:sp>
         <p:nvSpPr>
-          <p:cNvPr id="255" name="Shape 255"/>
+          <p:cNvPr id="245" name="Shape 245"/>
           <p:cNvSpPr>
             <a:spLocks noGrp="1" noRot="1" noChangeAspect="1"/>
           </p:cNvSpPr>
@@ -2134,7 +2135,7 @@
   <p:cSld>
     <p:spTree>
       <p:nvGrpSpPr>
-        <p:cNvPr id="1" name="Shape 262"/>
+        <p:cNvPr id="1" name="Shape 253"/>
         <p:cNvGrpSpPr/>
         <p:nvPr/>
       </p:nvGrpSpPr>
@@ -2148,7 +2149,7 @@
       </p:grpSpPr>
       <p:sp>
         <p:nvSpPr>
-          <p:cNvPr id="263" name="Shape 263"/>
+          <p:cNvPr id="254" name="Shape 254"/>
           <p:cNvSpPr txBox="1">
             <a:spLocks noGrp="1"/>
           </p:cNvSpPr>
@@ -2183,7 +2184,7 @@
       </p:sp>
       <p:sp>
         <p:nvSpPr>
-          <p:cNvPr id="264" name="Shape 264"/>
+          <p:cNvPr id="255" name="Shape 255"/>
           <p:cNvSpPr>
             <a:spLocks noGrp="1" noRot="1" noChangeAspect="1"/>
           </p:cNvSpPr>
@@ -2245,7 +2246,7 @@
   <p:cSld>
     <p:spTree>
       <p:nvGrpSpPr>
-        <p:cNvPr id="1" name="Shape 98"/>
+        <p:cNvPr id="1" name="Shape 107"/>
         <p:cNvGrpSpPr/>
         <p:nvPr/>
       </p:nvGrpSpPr>
@@ -2259,7 +2260,7 @@
       </p:grpSpPr>
       <p:sp>
         <p:nvSpPr>
-          <p:cNvPr id="99" name="Shape 99"/>
+          <p:cNvPr id="108" name="Shape 108"/>
           <p:cNvSpPr txBox="1">
             <a:spLocks noGrp="1"/>
           </p:cNvSpPr>
@@ -2294,7 +2295,7 @@
       </p:sp>
       <p:sp>
         <p:nvSpPr>
-          <p:cNvPr id="100" name="Shape 100"/>
+          <p:cNvPr id="109" name="Shape 109"/>
           <p:cNvSpPr>
             <a:spLocks noGrp="1" noRot="1" noChangeAspect="1"/>
           </p:cNvSpPr>
@@ -2356,7 +2357,7 @@
   <p:cSld>
     <p:spTree>
       <p:nvGrpSpPr>
-        <p:cNvPr id="1" name="Shape 269"/>
+        <p:cNvPr id="1" name="Shape 262"/>
         <p:cNvGrpSpPr/>
         <p:nvPr/>
       </p:nvGrpSpPr>
@@ -2370,7 +2371,7 @@
       </p:grpSpPr>
       <p:sp>
         <p:nvSpPr>
-          <p:cNvPr id="270" name="Shape 270"/>
+          <p:cNvPr id="263" name="Shape 263"/>
           <p:cNvSpPr txBox="1">
             <a:spLocks noGrp="1"/>
           </p:cNvSpPr>
@@ -2405,7 +2406,7 @@
       </p:sp>
       <p:sp>
         <p:nvSpPr>
-          <p:cNvPr id="271" name="Shape 271"/>
+          <p:cNvPr id="264" name="Shape 264"/>
           <p:cNvSpPr>
             <a:spLocks noGrp="1" noRot="1" noChangeAspect="1"/>
           </p:cNvSpPr>
@@ -2462,12 +2463,12 @@
 </p:notes>
 </file>
 
-<file path=ppt/notesSlides/notesSlide3.xml><?xml version="1.0" encoding="utf-8"?>
+<file path=ppt/notesSlides/notesSlide21.xml><?xml version="1.0" encoding="utf-8"?>
 <p:notes xmlns:a="http://schemas.openxmlformats.org/drawingml/2006/main" xmlns:r="http://schemas.openxmlformats.org/officeDocument/2006/relationships" xmlns:p="http://schemas.openxmlformats.org/presentationml/2006/main" showMasterSp="0" showMasterPhAnim="0">
   <p:cSld>
     <p:spTree>
       <p:nvGrpSpPr>
-        <p:cNvPr id="1" name="Shape 107"/>
+        <p:cNvPr id="1" name="Shape 475"/>
         <p:cNvGrpSpPr/>
         <p:nvPr/>
       </p:nvGrpSpPr>
@@ -2481,7 +2482,7 @@
       </p:grpSpPr>
       <p:sp>
         <p:nvSpPr>
-          <p:cNvPr id="108" name="Shape 108"/>
+          <p:cNvPr id="476" name="Shape 476"/>
           <p:cNvSpPr txBox="1">
             <a:spLocks noGrp="1"/>
           </p:cNvSpPr>
@@ -2516,7 +2517,7 @@
       </p:sp>
       <p:sp>
         <p:nvSpPr>
-          <p:cNvPr id="109" name="Shape 109"/>
+          <p:cNvPr id="477" name="Shape 477"/>
           <p:cNvSpPr>
             <a:spLocks noGrp="1" noRot="1" noChangeAspect="1"/>
           </p:cNvSpPr>
@@ -2573,7 +2574,7 @@
 </p:notes>
 </file>
 
-<file path=ppt/notesSlides/notesSlide4.xml><?xml version="1.0" encoding="utf-8"?>
+<file path=ppt/notesSlides/notesSlide3.xml><?xml version="1.0" encoding="utf-8"?>
 <p:notes xmlns:a="http://schemas.openxmlformats.org/drawingml/2006/main" xmlns:r="http://schemas.openxmlformats.org/officeDocument/2006/relationships" xmlns:p="http://schemas.openxmlformats.org/presentationml/2006/main" showMasterSp="0" showMasterPhAnim="0">
   <p:cSld>
     <p:spTree>
@@ -2684,7 +2685,7 @@
 </p:notes>
 </file>
 
-<file path=ppt/notesSlides/notesSlide5.xml><?xml version="1.0" encoding="utf-8"?>
+<file path=ppt/notesSlides/notesSlide4.xml><?xml version="1.0" encoding="utf-8"?>
 <p:notes xmlns:a="http://schemas.openxmlformats.org/drawingml/2006/main" xmlns:r="http://schemas.openxmlformats.org/officeDocument/2006/relationships" xmlns:p="http://schemas.openxmlformats.org/presentationml/2006/main" showMasterSp="0" showMasterPhAnim="0">
   <p:cSld>
     <p:spTree>
@@ -2795,7 +2796,7 @@
 </p:notes>
 </file>
 
-<file path=ppt/notesSlides/notesSlide6.xml><?xml version="1.0" encoding="utf-8"?>
+<file path=ppt/notesSlides/notesSlide5.xml><?xml version="1.0" encoding="utf-8"?>
 <p:notes xmlns:a="http://schemas.openxmlformats.org/drawingml/2006/main" xmlns:r="http://schemas.openxmlformats.org/officeDocument/2006/relationships" xmlns:p="http://schemas.openxmlformats.org/presentationml/2006/main" showMasterSp="0" showMasterPhAnim="0">
   <p:cSld>
     <p:spTree>
@@ -2906,7 +2907,7 @@
 </p:notes>
 </file>
 
-<file path=ppt/notesSlides/notesSlide7.xml><?xml version="1.0" encoding="utf-8"?>
+<file path=ppt/notesSlides/notesSlide6.xml><?xml version="1.0" encoding="utf-8"?>
 <p:notes xmlns:a="http://schemas.openxmlformats.org/drawingml/2006/main" xmlns:r="http://schemas.openxmlformats.org/officeDocument/2006/relationships" xmlns:p="http://schemas.openxmlformats.org/presentationml/2006/main" showMasterSp="0" showMasterPhAnim="0">
   <p:cSld>
     <p:spTree>
@@ -3017,7 +3018,7 @@
 </p:notes>
 </file>
 
-<file path=ppt/notesSlides/notesSlide8.xml><?xml version="1.0" encoding="utf-8"?>
+<file path=ppt/notesSlides/notesSlide7.xml><?xml version="1.0" encoding="utf-8"?>
 <p:notes xmlns:a="http://schemas.openxmlformats.org/drawingml/2006/main" xmlns:r="http://schemas.openxmlformats.org/officeDocument/2006/relationships" xmlns:p="http://schemas.openxmlformats.org/presentationml/2006/main" showMasterSp="0" showMasterPhAnim="0">
   <p:cSld>
     <p:spTree>
@@ -3128,7 +3129,7 @@
 </p:notes>
 </file>
 
-<file path=ppt/notesSlides/notesSlide9.xml><?xml version="1.0" encoding="utf-8"?>
+<file path=ppt/notesSlides/notesSlide8.xml><?xml version="1.0" encoding="utf-8"?>
 <p:notes xmlns:a="http://schemas.openxmlformats.org/drawingml/2006/main" xmlns:r="http://schemas.openxmlformats.org/officeDocument/2006/relationships" xmlns:p="http://schemas.openxmlformats.org/presentationml/2006/main" showMasterSp="0" showMasterPhAnim="0">
   <p:cSld>
     <p:spTree>
@@ -3183,6 +3184,117 @@
       <p:sp>
         <p:nvSpPr>
           <p:cNvPr id="169" name="Shape 169"/>
+          <p:cNvSpPr>
+            <a:spLocks noGrp="1" noRot="1" noChangeAspect="1"/>
+          </p:cNvSpPr>
+          <p:nvPr>
+            <p:ph type="sldImg" idx="2"/>
+          </p:nvPr>
+        </p:nvSpPr>
+        <p:spPr>
+          <a:xfrm>
+            <a:off x="1143000" y="685800"/>
+            <a:ext cx="4572000" cy="3429000"/>
+          </a:xfrm>
+          <a:custGeom>
+            <a:avLst/>
+            <a:gdLst/>
+            <a:ahLst/>
+            <a:cxnLst/>
+            <a:rect l="0" t="0" r="0" b="0"/>
+            <a:pathLst>
+              <a:path w="120000" h="120000" extrusionOk="0">
+                <a:moveTo>
+                  <a:pt x="0" y="0"/>
+                </a:moveTo>
+                <a:lnTo>
+                  <a:pt x="120000" y="0"/>
+                </a:lnTo>
+                <a:lnTo>
+                  <a:pt x="120000" y="120000"/>
+                </a:lnTo>
+                <a:lnTo>
+                  <a:pt x="0" y="120000"/>
+                </a:lnTo>
+                <a:close/>
+              </a:path>
+            </a:pathLst>
+          </a:custGeom>
+          <a:noFill/>
+          <a:ln w="9525" cap="flat" cmpd="sng">
+            <a:solidFill>
+              <a:srgbClr val="000000"/>
+            </a:solidFill>
+            <a:prstDash val="solid"/>
+            <a:round/>
+            <a:headEnd type="none" w="med" len="med"/>
+            <a:tailEnd type="none" w="med" len="med"/>
+          </a:ln>
+        </p:spPr>
+      </p:sp>
+    </p:spTree>
+  </p:cSld>
+  <p:clrMapOvr>
+    <a:masterClrMapping/>
+  </p:clrMapOvr>
+</p:notes>
+</file>
+
+<file path=ppt/notesSlides/notesSlide9.xml><?xml version="1.0" encoding="utf-8"?>
+<p:notes xmlns:a="http://schemas.openxmlformats.org/drawingml/2006/main" xmlns:r="http://schemas.openxmlformats.org/officeDocument/2006/relationships" xmlns:p="http://schemas.openxmlformats.org/presentationml/2006/main" showMasterSp="0" showMasterPhAnim="0">
+  <p:cSld>
+    <p:spTree>
+      <p:nvGrpSpPr>
+        <p:cNvPr id="1" name="Shape 174"/>
+        <p:cNvGrpSpPr/>
+        <p:nvPr/>
+      </p:nvGrpSpPr>
+      <p:grpSpPr>
+        <a:xfrm>
+          <a:off x="0" y="0"/>
+          <a:ext cx="0" cy="0"/>
+          <a:chOff x="0" y="0"/>
+          <a:chExt cx="0" cy="0"/>
+        </a:xfrm>
+      </p:grpSpPr>
+      <p:sp>
+        <p:nvSpPr>
+          <p:cNvPr id="175" name="Shape 175"/>
+          <p:cNvSpPr txBox="1">
+            <a:spLocks noGrp="1"/>
+          </p:cNvSpPr>
+          <p:nvPr>
+            <p:ph type="body" idx="1"/>
+          </p:nvPr>
+        </p:nvSpPr>
+        <p:spPr>
+          <a:xfrm>
+            <a:off x="685800" y="4343400"/>
+            <a:ext cx="5486399" cy="4114800"/>
+          </a:xfrm>
+          <a:prstGeom prst="rect">
+            <a:avLst/>
+          </a:prstGeom>
+        </p:spPr>
+        <p:txBody>
+          <a:bodyPr lIns="91425" tIns="91425" rIns="91425" bIns="91425" anchor="ctr" anchorCtr="0">
+            <a:noAutofit/>
+          </a:bodyPr>
+          <a:lstStyle/>
+          <a:p>
+            <a:pPr>
+              <a:spcBef>
+                <a:spcPts val="0"/>
+              </a:spcBef>
+              <a:buNone/>
+            </a:pPr>
+            <a:endParaRPr/>
+          </a:p>
+        </p:txBody>
+      </p:sp>
+      <p:sp>
+        <p:nvSpPr>
+          <p:cNvPr id="176" name="Shape 176"/>
           <p:cNvSpPr>
             <a:spLocks noGrp="1" noRot="1" noChangeAspect="1"/>
           </p:cNvSpPr>
@@ -10621,327 +10733,17 @@
   <p:transition spd="slow">
     <p:cut/>
   </p:transition>
+  <p:timing>
+    <p:tnLst>
+      <p:par>
+        <p:cTn id="1" dur="indefinite" restart="never" nodeType="tmRoot"/>
+      </p:par>
+    </p:tnLst>
+  </p:timing>
 </p:sld>
 </file>
 
 <file path=ppt/slides/slide10.xml><?xml version="1.0" encoding="utf-8"?>
-<p:sld xmlns:a="http://schemas.openxmlformats.org/drawingml/2006/main" xmlns:r="http://schemas.openxmlformats.org/officeDocument/2006/relationships" xmlns:p="http://schemas.openxmlformats.org/presentationml/2006/main">
-  <p:cSld>
-    <p:bg>
-      <p:bgPr>
-        <a:blipFill rotWithShape="1">
-          <a:blip r:embed="rId3">
-            <a:alphaModFix/>
-          </a:blip>
-          <a:stretch>
-            <a:fillRect/>
-          </a:stretch>
-        </a:blipFill>
-        <a:effectLst/>
-      </p:bgPr>
-    </p:bg>
-    <p:spTree>
-      <p:nvGrpSpPr>
-        <p:cNvPr id="1" name="Shape 170"/>
-        <p:cNvGrpSpPr/>
-        <p:nvPr/>
-      </p:nvGrpSpPr>
-      <p:grpSpPr>
-        <a:xfrm>
-          <a:off x="0" y="0"/>
-          <a:ext cx="0" cy="0"/>
-          <a:chOff x="0" y="0"/>
-          <a:chExt cx="0" cy="0"/>
-        </a:xfrm>
-      </p:grpSpPr>
-      <p:sp>
-        <p:nvSpPr>
-          <p:cNvPr id="171" name="Shape 171"/>
-          <p:cNvSpPr txBox="1"/>
-          <p:nvPr/>
-        </p:nvSpPr>
-        <p:spPr>
-          <a:xfrm>
-            <a:off x="366712" y="1700211"/>
-            <a:ext cx="8135936" cy="2590800"/>
-          </a:xfrm>
-          <a:prstGeom prst="rect">
-            <a:avLst/>
-          </a:prstGeom>
-          <a:noFill/>
-          <a:ln>
-            <a:noFill/>
-          </a:ln>
-        </p:spPr>
-        <p:txBody>
-          <a:bodyPr lIns="91425" tIns="45700" rIns="91425" bIns="45700" anchor="t" anchorCtr="0">
-            <a:noAutofit/>
-          </a:bodyPr>
-          <a:lstStyle/>
-          <a:p>
-            <a:pPr marL="342900" marR="0" lvl="0" indent="-342900" algn="l" rtl="0">
-              <a:lnSpc>
-                <a:spcPct val="150000"/>
-              </a:lnSpc>
-              <a:spcBef>
-                <a:spcPts val="0"/>
-              </a:spcBef>
-              <a:spcAft>
-                <a:spcPts val="0"/>
-              </a:spcAft>
-              <a:buClr>
-                <a:srgbClr val="552438"/>
-              </a:buClr>
-              <a:buSzPct val="100000"/>
-              <a:buFont typeface="Arial"/>
-              <a:buChar char="•"/>
-            </a:pPr>
-            <a:r>
-              <a:rPr lang="en-US" sz="2000" b="0" i="0" u="none" strike="noStrike" cap="none" baseline="0">
-                <a:solidFill>
-                  <a:schemeClr val="dk1"/>
-                </a:solidFill>
-                <a:latin typeface="Open Sans"/>
-                <a:ea typeface="Open Sans"/>
-                <a:cs typeface="Open Sans"/>
-                <a:sym typeface="Open Sans"/>
-              </a:rPr>
-              <a:t>Sometime we know that a collection will have a parameter type but we just don’t know what it is write now.</a:t>
-            </a:r>
-          </a:p>
-          <a:p>
-            <a:pPr marL="342900" marR="0" lvl="0" indent="-215900" algn="l" rtl="0">
-              <a:lnSpc>
-                <a:spcPct val="150000"/>
-              </a:lnSpc>
-              <a:spcBef>
-                <a:spcPts val="1800"/>
-              </a:spcBef>
-              <a:spcAft>
-                <a:spcPts val="0"/>
-              </a:spcAft>
-              <a:buClr>
-                <a:srgbClr val="552438"/>
-              </a:buClr>
-              <a:buFont typeface="Arial"/>
-              <a:buNone/>
-            </a:pPr>
-            <a:endParaRPr sz="2000" b="0" i="0" u="none" strike="noStrike" cap="none" baseline="0">
-              <a:solidFill>
-                <a:schemeClr val="dk1"/>
-              </a:solidFill>
-              <a:latin typeface="Open Sans"/>
-              <a:ea typeface="Open Sans"/>
-              <a:cs typeface="Open Sans"/>
-              <a:sym typeface="Open Sans"/>
-            </a:endParaRPr>
-          </a:p>
-          <a:p>
-            <a:pPr marL="342900" marR="0" lvl="0" indent="-215900" algn="l" rtl="0">
-              <a:lnSpc>
-                <a:spcPct val="150000"/>
-              </a:lnSpc>
-              <a:spcBef>
-                <a:spcPts val="1800"/>
-              </a:spcBef>
-              <a:spcAft>
-                <a:spcPts val="0"/>
-              </a:spcAft>
-              <a:buClr>
-                <a:srgbClr val="552438"/>
-              </a:buClr>
-              <a:buFont typeface="Arial"/>
-              <a:buNone/>
-            </a:pPr>
-            <a:endParaRPr sz="2000" b="0" i="0" u="none" strike="noStrike" cap="none" baseline="0">
-              <a:solidFill>
-                <a:schemeClr val="dk1"/>
-              </a:solidFill>
-              <a:latin typeface="Open Sans"/>
-              <a:ea typeface="Open Sans"/>
-              <a:cs typeface="Open Sans"/>
-              <a:sym typeface="Open Sans"/>
-            </a:endParaRPr>
-          </a:p>
-          <a:p>
-            <a:pPr marL="342900" marR="0" lvl="0" indent="-215900" algn="l" rtl="0">
-              <a:lnSpc>
-                <a:spcPct val="150000"/>
-              </a:lnSpc>
-              <a:spcBef>
-                <a:spcPts val="1800"/>
-              </a:spcBef>
-              <a:spcAft>
-                <a:spcPts val="0"/>
-              </a:spcAft>
-              <a:buClr>
-                <a:srgbClr val="552438"/>
-              </a:buClr>
-              <a:buFont typeface="Arial"/>
-              <a:buNone/>
-            </a:pPr>
-            <a:endParaRPr sz="2000" b="0" i="0" u="none" strike="noStrike" cap="none" baseline="0">
-              <a:solidFill>
-                <a:schemeClr val="dk1"/>
-              </a:solidFill>
-              <a:latin typeface="Open Sans"/>
-              <a:ea typeface="Open Sans"/>
-              <a:cs typeface="Open Sans"/>
-              <a:sym typeface="Open Sans"/>
-            </a:endParaRPr>
-          </a:p>
-          <a:p>
-            <a:pPr marL="342900" marR="0" lvl="0" indent="-215900" algn="l" rtl="0">
-              <a:lnSpc>
-                <a:spcPct val="150000"/>
-              </a:lnSpc>
-              <a:spcBef>
-                <a:spcPts val="0"/>
-              </a:spcBef>
-              <a:spcAft>
-                <a:spcPts val="0"/>
-              </a:spcAft>
-              <a:buClr>
-                <a:srgbClr val="552438"/>
-              </a:buClr>
-              <a:buFont typeface="Arial"/>
-              <a:buNone/>
-            </a:pPr>
-            <a:endParaRPr sz="2000" b="0" i="0" u="none" strike="noStrike" cap="none" baseline="0">
-              <a:solidFill>
-                <a:schemeClr val="dk1"/>
-              </a:solidFill>
-              <a:latin typeface="Open Sans"/>
-              <a:ea typeface="Open Sans"/>
-              <a:cs typeface="Open Sans"/>
-              <a:sym typeface="Open Sans"/>
-            </a:endParaRPr>
-          </a:p>
-          <a:p>
-            <a:pPr marL="0" marR="0" lvl="0" indent="0" algn="r" rtl="1">
-              <a:lnSpc>
-                <a:spcPct val="100000"/>
-              </a:lnSpc>
-              <a:spcBef>
-                <a:spcPts val="0"/>
-              </a:spcBef>
-              <a:spcAft>
-                <a:spcPts val="0"/>
-              </a:spcAft>
-              <a:buNone/>
-            </a:pPr>
-            <a:endParaRPr sz="2000" b="0" i="0" u="none" strike="noStrike" cap="none" baseline="0">
-              <a:solidFill>
-                <a:schemeClr val="dk1"/>
-              </a:solidFill>
-              <a:latin typeface="Open Sans"/>
-              <a:ea typeface="Open Sans"/>
-              <a:cs typeface="Open Sans"/>
-              <a:sym typeface="Open Sans"/>
-            </a:endParaRPr>
-          </a:p>
-        </p:txBody>
-      </p:sp>
-      <p:sp>
-        <p:nvSpPr>
-          <p:cNvPr id="172" name="Shape 172"/>
-          <p:cNvSpPr txBox="1">
-            <a:spLocks noGrp="1"/>
-          </p:cNvSpPr>
-          <p:nvPr>
-            <p:ph type="ctrTitle"/>
-          </p:nvPr>
-        </p:nvSpPr>
-        <p:spPr>
-          <a:xfrm>
-            <a:off x="1547812" y="549275"/>
-            <a:ext cx="8137525" cy="1150936"/>
-          </a:xfrm>
-          <a:prstGeom prst="rect">
-            <a:avLst/>
-          </a:prstGeom>
-          <a:noFill/>
-          <a:ln>
-            <a:noFill/>
-          </a:ln>
-        </p:spPr>
-        <p:txBody>
-          <a:bodyPr lIns="91425" tIns="45700" rIns="91425" bIns="45700" anchor="ctr" anchorCtr="0">
-            <a:noAutofit/>
-          </a:bodyPr>
-          <a:lstStyle/>
-          <a:p>
-            <a:pPr marL="0" marR="0" lvl="0" indent="0" algn="l" rtl="0">
-              <a:lnSpc>
-                <a:spcPct val="100000"/>
-              </a:lnSpc>
-              <a:spcBef>
-                <a:spcPts val="0"/>
-              </a:spcBef>
-              <a:spcAft>
-                <a:spcPts val="0"/>
-              </a:spcAft>
-              <a:buClr>
-                <a:schemeClr val="dk1"/>
-              </a:buClr>
-              <a:buSzPct val="25000"/>
-              <a:buFont typeface="Open Sans"/>
-              <a:buNone/>
-            </a:pPr>
-            <a:r>
-              <a:rPr lang="en-US" sz="4000" b="0" i="0" u="none" strike="noStrike" cap="none" baseline="0">
-                <a:solidFill>
-                  <a:schemeClr val="dk1"/>
-                </a:solidFill>
-                <a:latin typeface="Open Sans"/>
-                <a:ea typeface="Open Sans"/>
-                <a:cs typeface="Open Sans"/>
-                <a:sym typeface="Open Sans"/>
-              </a:rPr>
-              <a:t>Generics </a:t>
-            </a:r>
-          </a:p>
-        </p:txBody>
-      </p:sp>
-      <p:pic>
-        <p:nvPicPr>
-          <p:cNvPr id="173" name="Shape 173"/>
-          <p:cNvPicPr preferRelativeResize="0"/>
-          <p:nvPr/>
-        </p:nvPicPr>
-        <p:blipFill rotWithShape="1">
-          <a:blip r:embed="rId4">
-            <a:alphaModFix/>
-          </a:blip>
-          <a:srcRect/>
-          <a:stretch/>
-        </p:blipFill>
-        <p:spPr>
-          <a:xfrm>
-            <a:off x="584200" y="260350"/>
-            <a:ext cx="747711" cy="1184275"/>
-          </a:xfrm>
-          <a:prstGeom prst="rect">
-            <a:avLst/>
-          </a:prstGeom>
-          <a:noFill/>
-          <a:ln>
-            <a:noFill/>
-          </a:ln>
-        </p:spPr>
-      </p:pic>
-    </p:spTree>
-  </p:cSld>
-  <p:clrMapOvr>
-    <a:masterClrMapping/>
-  </p:clrMapOvr>
-  <p:transition spd="slow">
-    <p:cut/>
-  </p:transition>
-</p:sld>
-</file>
-
-<file path=ppt/slides/slide11.xml><?xml version="1.0" encoding="utf-8"?>
 <p:sld xmlns:a="http://schemas.openxmlformats.org/drawingml/2006/main" xmlns:r="http://schemas.openxmlformats.org/officeDocument/2006/relationships" xmlns:p="http://schemas.openxmlformats.org/presentationml/2006/main">
   <p:cSld>
     <p:bg>
@@ -11416,10 +11218,17 @@
   <p:transition spd="slow">
     <p:cut/>
   </p:transition>
+  <p:timing>
+    <p:tnLst>
+      <p:par>
+        <p:cTn id="1" dur="indefinite" restart="never" nodeType="tmRoot"/>
+      </p:par>
+    </p:tnLst>
+  </p:timing>
 </p:sld>
 </file>
 
-<file path=ppt/slides/slide12.xml><?xml version="1.0" encoding="utf-8"?>
+<file path=ppt/slides/slide11.xml><?xml version="1.0" encoding="utf-8"?>
 <p:sld xmlns:a="http://schemas.openxmlformats.org/drawingml/2006/main" xmlns:r="http://schemas.openxmlformats.org/officeDocument/2006/relationships" xmlns:p="http://schemas.openxmlformats.org/presentationml/2006/main">
   <p:cSld>
     <p:bg>
@@ -11514,8 +11323,8 @@
         </p:nvSpPr>
         <p:spPr>
           <a:xfrm>
-            <a:off x="366712" y="1700211"/>
-            <a:ext cx="8135936" cy="2590800"/>
+            <a:off x="366712" y="1700210"/>
+            <a:ext cx="8135936" cy="1347789"/>
           </a:xfrm>
           <a:prstGeom prst="rect">
             <a:avLst/>
@@ -11549,7 +11358,7 @@
               <a:buChar char="•"/>
             </a:pPr>
             <a:r>
-              <a:rPr lang="en-US" sz="2000" b="0" i="0" u="none" strike="noStrike" cap="none" baseline="0">
+              <a:rPr lang="en-US" sz="2000" b="0" i="0" u="none" strike="noStrike" cap="none" baseline="0" dirty="0">
                 <a:solidFill>
                   <a:schemeClr val="dk1"/>
                 </a:solidFill>
@@ -11580,7 +11389,7 @@
               <a:buChar char="•"/>
             </a:pPr>
             <a:r>
-              <a:rPr lang="en-US" sz="2000" b="0" i="0" u="none" strike="noStrike" cap="none" baseline="0">
+              <a:rPr lang="en-US" sz="2000" b="0" i="0" u="none" strike="noStrike" cap="none" baseline="0" dirty="0">
                 <a:solidFill>
                   <a:schemeClr val="dk1"/>
                 </a:solidFill>
@@ -11592,7 +11401,7 @@
               <a:t>We could use   </a:t>
             </a:r>
             <a:br>
-              <a:rPr lang="en-US" sz="2000" b="0" i="0" u="none" strike="noStrike" cap="none" baseline="0">
+              <a:rPr lang="en-US" sz="2000" b="0" i="0" u="none" strike="noStrike" cap="none" baseline="0" dirty="0">
                 <a:solidFill>
                   <a:schemeClr val="dk1"/>
                 </a:solidFill>
@@ -11603,7 +11412,7 @@
               </a:rPr>
             </a:br>
             <a:r>
-              <a:rPr lang="en-US" sz="2000" b="0" i="0" u="none" strike="noStrike" cap="none" baseline="0">
+              <a:rPr lang="en-US" sz="2000" b="0" i="0" u="none" strike="noStrike" cap="none" baseline="0" dirty="0">
                 <a:solidFill>
                   <a:schemeClr val="dk1"/>
                 </a:solidFill>
@@ -11615,7 +11424,7 @@
               <a:t/>
             </a:r>
             <a:br>
-              <a:rPr lang="en-US" sz="2000" b="0" i="0" u="none" strike="noStrike" cap="none" baseline="0">
+              <a:rPr lang="en-US" sz="2000" b="0" i="0" u="none" strike="noStrike" cap="none" baseline="0" dirty="0">
                 <a:solidFill>
                   <a:schemeClr val="dk1"/>
                 </a:solidFill>
@@ -11626,7 +11435,7 @@
               </a:rPr>
             </a:br>
             <a:r>
-              <a:rPr lang="en-US" sz="2000" b="0" i="0" u="none" strike="noStrike" cap="none" baseline="0">
+              <a:rPr lang="en-US" sz="2000" b="0" i="0" u="none" strike="noStrike" cap="none" baseline="0" dirty="0">
                 <a:solidFill>
                   <a:schemeClr val="dk1"/>
                 </a:solidFill>
@@ -11657,7 +11466,7 @@
               <a:buChar char="•"/>
             </a:pPr>
             <a:r>
-              <a:rPr lang="en-US" sz="2000" b="0" i="0" u="none" strike="noStrike" cap="none" baseline="0">
+              <a:rPr lang="en-US" sz="2000" b="0" i="0" u="none" strike="noStrike" cap="none" baseline="0" dirty="0">
                 <a:solidFill>
                   <a:schemeClr val="dk1"/>
                 </a:solidFill>
@@ -11669,7 +11478,7 @@
               <a:t>Generic wildcards:</a:t>
             </a:r>
             <a:br>
-              <a:rPr lang="en-US" sz="2000" b="0" i="0" u="none" strike="noStrike" cap="none" baseline="0">
+              <a:rPr lang="en-US" sz="2000" b="0" i="0" u="none" strike="noStrike" cap="none" baseline="0" dirty="0">
                 <a:solidFill>
                   <a:schemeClr val="dk1"/>
                 </a:solidFill>
@@ -11680,7 +11489,7 @@
               </a:rPr>
             </a:br>
             <a:r>
-              <a:rPr lang="en-US" sz="2000" b="0" i="0" u="none" strike="noStrike" cap="none" baseline="0">
+              <a:rPr lang="en-US" sz="2000" b="0" i="0" u="none" strike="noStrike" cap="none" baseline="0" dirty="0">
                 <a:solidFill>
                   <a:schemeClr val="dk1"/>
                 </a:solidFill>
@@ -11692,7 +11501,7 @@
               <a:t/>
             </a:r>
             <a:br>
-              <a:rPr lang="en-US" sz="2000" b="0" i="0" u="none" strike="noStrike" cap="none" baseline="0">
+              <a:rPr lang="en-US" sz="2000" b="0" i="0" u="none" strike="noStrike" cap="none" baseline="0" dirty="0">
                 <a:solidFill>
                   <a:schemeClr val="dk1"/>
                 </a:solidFill>
@@ -11703,7 +11512,7 @@
               </a:rPr>
             </a:br>
             <a:r>
-              <a:rPr lang="en-US" sz="2000" b="0" i="0" u="none" strike="noStrike" cap="none" baseline="0">
+              <a:rPr lang="en-US" sz="2000" b="0" i="0" u="none" strike="noStrike" cap="none" baseline="0" dirty="0">
                 <a:solidFill>
                   <a:schemeClr val="dk1"/>
                 </a:solidFill>
@@ -11732,7 +11541,7 @@
               <a:buFont typeface="Arial"/>
               <a:buNone/>
             </a:pPr>
-            <a:endParaRPr sz="2000" b="0" i="0" u="none" strike="noStrike" cap="none" baseline="0">
+            <a:endParaRPr sz="2000" b="0" i="0" u="none" strike="noStrike" cap="none" baseline="0" dirty="0">
               <a:solidFill>
                 <a:schemeClr val="dk1"/>
               </a:solidFill>
@@ -11759,7 +11568,7 @@
               <a:buFont typeface="Arial"/>
               <a:buNone/>
             </a:pPr>
-            <a:endParaRPr sz="2000" b="0" i="0" u="none" strike="noStrike" cap="none" baseline="0">
+            <a:endParaRPr sz="2000" b="0" i="0" u="none" strike="noStrike" cap="none" baseline="0" dirty="0">
               <a:solidFill>
                 <a:schemeClr val="dk1"/>
               </a:solidFill>
@@ -11786,7 +11595,7 @@
               <a:buFont typeface="Arial"/>
               <a:buNone/>
             </a:pPr>
-            <a:endParaRPr sz="2000" b="0" i="0" u="none" strike="noStrike" cap="none" baseline="0">
+            <a:endParaRPr sz="2000" b="0" i="0" u="none" strike="noStrike" cap="none" baseline="0" dirty="0">
               <a:solidFill>
                 <a:schemeClr val="dk1"/>
               </a:solidFill>
@@ -11813,7 +11622,7 @@
               <a:buFont typeface="Arial"/>
               <a:buNone/>
             </a:pPr>
-            <a:endParaRPr sz="2000" b="0" i="0" u="none" strike="noStrike" cap="none" baseline="0">
+            <a:endParaRPr sz="2000" b="0" i="0" u="none" strike="noStrike" cap="none" baseline="0" dirty="0">
               <a:solidFill>
                 <a:schemeClr val="dk1"/>
               </a:solidFill>
@@ -11836,7 +11645,7 @@
               </a:spcAft>
               <a:buNone/>
             </a:pPr>
-            <a:endParaRPr sz="2000" b="0" i="0" u="none" strike="noStrike" cap="none" baseline="0">
+            <a:endParaRPr sz="2000" b="0" i="0" u="none" strike="noStrike" cap="none" baseline="0" dirty="0">
               <a:solidFill>
                 <a:schemeClr val="dk1"/>
               </a:solidFill>
@@ -11952,7 +11761,7 @@
               <a:buNone/>
             </a:pPr>
             <a:r>
-              <a:rPr lang="en-US" sz="4000" b="0" i="0" u="none" strike="noStrike" cap="none" baseline="0">
+              <a:rPr lang="en-US" sz="4000" b="0" i="0" u="none" strike="noStrike" cap="none" baseline="0" dirty="0">
                 <a:solidFill>
                   <a:schemeClr val="dk1"/>
                 </a:solidFill>
@@ -12055,10 +11864,17 @@
   <p:transition spd="slow">
     <p:cut/>
   </p:transition>
+  <p:timing>
+    <p:tnLst>
+      <p:par>
+        <p:cTn id="1" dur="indefinite" restart="never" nodeType="tmRoot"/>
+      </p:par>
+    </p:tnLst>
+  </p:timing>
 </p:sld>
 </file>
 
-<file path=ppt/slides/slide13.xml><?xml version="1.0" encoding="utf-8"?>
+<file path=ppt/slides/slide12.xml><?xml version="1.0" encoding="utf-8"?>
 <p:sld xmlns:a="http://schemas.openxmlformats.org/drawingml/2006/main" xmlns:r="http://schemas.openxmlformats.org/officeDocument/2006/relationships" xmlns:p="http://schemas.openxmlformats.org/presentationml/2006/main">
   <p:cSld>
     <p:bg>
@@ -12892,10 +12708,644 @@
   <p:transition spd="slow">
     <p:cut/>
   </p:transition>
+  <p:timing>
+    <p:tnLst>
+      <p:par>
+        <p:cTn id="1" dur="indefinite" restart="never" nodeType="tmRoot"/>
+      </p:par>
+    </p:tnLst>
+  </p:timing>
+</p:sld>
+</file>
+
+<file path=ppt/slides/slide13.xml><?xml version="1.0" encoding="utf-8"?>
+<p:sld xmlns:a="http://schemas.openxmlformats.org/drawingml/2006/main" xmlns:r="http://schemas.openxmlformats.org/officeDocument/2006/relationships" xmlns:p="http://schemas.openxmlformats.org/presentationml/2006/main">
+  <p:cSld>
+    <p:bg>
+      <p:bgPr>
+        <a:blipFill rotWithShape="1">
+          <a:blip r:embed="rId3">
+            <a:alphaModFix/>
+          </a:blip>
+          <a:stretch>
+            <a:fillRect/>
+          </a:stretch>
+        </a:blipFill>
+        <a:effectLst/>
+      </p:bgPr>
+    </p:bg>
+    <p:spTree>
+      <p:nvGrpSpPr>
+        <p:cNvPr id="1" name="Shape 197"/>
+        <p:cNvGrpSpPr/>
+        <p:nvPr/>
+      </p:nvGrpSpPr>
+      <p:grpSpPr>
+        <a:xfrm>
+          <a:off x="0" y="0"/>
+          <a:ext cx="0" cy="0"/>
+          <a:chOff x="0" y="0"/>
+          <a:chExt cx="0" cy="0"/>
+        </a:xfrm>
+      </p:grpSpPr>
+      <p:sp>
+        <p:nvSpPr>
+          <p:cNvPr id="201" name="Shape 201"/>
+          <p:cNvSpPr txBox="1">
+            <a:spLocks noGrp="1"/>
+          </p:cNvSpPr>
+          <p:nvPr>
+            <p:ph type="ctrTitle"/>
+          </p:nvPr>
+        </p:nvSpPr>
+        <p:spPr>
+          <a:xfrm>
+            <a:off x="1547812" y="549275"/>
+            <a:ext cx="8137525" cy="1150936"/>
+          </a:xfrm>
+          <a:prstGeom prst="rect">
+            <a:avLst/>
+          </a:prstGeom>
+          <a:noFill/>
+          <a:ln>
+            <a:noFill/>
+          </a:ln>
+        </p:spPr>
+        <p:txBody>
+          <a:bodyPr lIns="91425" tIns="45700" rIns="91425" bIns="45700" anchor="ctr" anchorCtr="0">
+            <a:noAutofit/>
+          </a:bodyPr>
+          <a:lstStyle/>
+          <a:p>
+            <a:pPr marL="0" marR="0" lvl="0" indent="0" algn="l" rtl="0">
+              <a:lnSpc>
+                <a:spcPct val="100000"/>
+              </a:lnSpc>
+              <a:spcBef>
+                <a:spcPts val="0"/>
+              </a:spcBef>
+              <a:spcAft>
+                <a:spcPts val="0"/>
+              </a:spcAft>
+              <a:buClr>
+                <a:schemeClr val="dk1"/>
+              </a:buClr>
+              <a:buSzPct val="25000"/>
+              <a:buFont typeface="Open Sans"/>
+              <a:buNone/>
+            </a:pPr>
+            <a:r>
+              <a:rPr lang="en-US" sz="4000" b="0" i="0" u="none" strike="noStrike" cap="none" baseline="0">
+                <a:solidFill>
+                  <a:schemeClr val="dk1"/>
+                </a:solidFill>
+                <a:latin typeface="Open Sans"/>
+                <a:ea typeface="Open Sans"/>
+                <a:cs typeface="Open Sans"/>
+                <a:sym typeface="Open Sans"/>
+              </a:rPr>
+              <a:t>Generics </a:t>
+            </a:r>
+          </a:p>
+        </p:txBody>
+      </p:sp>
+      <p:pic>
+        <p:nvPicPr>
+          <p:cNvPr id="202" name="Shape 202"/>
+          <p:cNvPicPr preferRelativeResize="0"/>
+          <p:nvPr/>
+        </p:nvPicPr>
+        <p:blipFill rotWithShape="1">
+          <a:blip r:embed="rId4">
+            <a:alphaModFix/>
+          </a:blip>
+          <a:srcRect/>
+          <a:stretch/>
+        </p:blipFill>
+        <p:spPr>
+          <a:xfrm>
+            <a:off x="584200" y="260350"/>
+            <a:ext cx="747711" cy="1184275"/>
+          </a:xfrm>
+          <a:prstGeom prst="rect">
+            <a:avLst/>
+          </a:prstGeom>
+          <a:noFill/>
+          <a:ln>
+            <a:noFill/>
+          </a:ln>
+        </p:spPr>
+      </p:pic>
+      <p:sp>
+        <p:nvSpPr>
+          <p:cNvPr id="10" name="Rectangle 9"/>
+          <p:cNvSpPr/>
+          <p:nvPr/>
+        </p:nvSpPr>
+        <p:spPr>
+          <a:xfrm>
+            <a:off x="609600" y="1905001"/>
+            <a:ext cx="7696200" cy="1169551"/>
+          </a:xfrm>
+          <a:prstGeom prst="rect">
+            <a:avLst/>
+          </a:prstGeom>
+        </p:spPr>
+        <p:txBody>
+          <a:bodyPr wrap="square">
+            <a:spAutoFit/>
+          </a:bodyPr>
+          <a:lstStyle/>
+          <a:p>
+            <a:r>
+              <a:rPr lang="en-US" b="1" dirty="0" err="1" smtClean="0"/>
+              <a:t>ArrayList</a:t>
+            </a:r>
+            <a:r>
+              <a:rPr lang="en-US" dirty="0" smtClean="0"/>
+              <a:t>&lt;? </a:t>
+            </a:r>
+            <a:r>
+              <a:rPr lang="en-US" b="1" dirty="0" smtClean="0"/>
+              <a:t>extends</a:t>
+            </a:r>
+            <a:r>
+              <a:rPr lang="en-US" dirty="0" smtClean="0"/>
+              <a:t> </a:t>
+            </a:r>
+            <a:r>
+              <a:rPr lang="en-US" b="1" dirty="0" smtClean="0"/>
+              <a:t>Number</a:t>
+            </a:r>
+            <a:r>
+              <a:rPr lang="en-US" dirty="0" smtClean="0"/>
+              <a:t>&gt; </a:t>
+            </a:r>
+            <a:r>
+              <a:rPr lang="en-US" dirty="0" err="1" smtClean="0"/>
+              <a:t>numberList</a:t>
+            </a:r>
+            <a:r>
+              <a:rPr lang="en-US" dirty="0" smtClean="0"/>
+              <a:t> = </a:t>
+            </a:r>
+            <a:r>
+              <a:rPr lang="en-US" b="1" dirty="0" smtClean="0"/>
+              <a:t>new</a:t>
+            </a:r>
+            <a:r>
+              <a:rPr lang="en-US" dirty="0" smtClean="0"/>
+              <a:t> </a:t>
+            </a:r>
+            <a:r>
+              <a:rPr lang="en-US" b="1" dirty="0" err="1" smtClean="0"/>
+              <a:t>ArrayList</a:t>
+            </a:r>
+            <a:r>
+              <a:rPr lang="en-US" dirty="0" smtClean="0"/>
+              <a:t>&lt;</a:t>
+            </a:r>
+            <a:r>
+              <a:rPr lang="en-US" b="1" dirty="0" smtClean="0"/>
+              <a:t>Number</a:t>
+            </a:r>
+            <a:r>
+              <a:rPr lang="en-US" dirty="0" smtClean="0"/>
+              <a:t>&gt;();</a:t>
+            </a:r>
+            <a:br>
+              <a:rPr lang="en-US" dirty="0" smtClean="0"/>
+            </a:br>
+            <a:r>
+              <a:rPr lang="en-US" dirty="0" err="1" smtClean="0"/>
+              <a:t>numberList</a:t>
+            </a:r>
+            <a:r>
+              <a:rPr lang="en-US" dirty="0" smtClean="0"/>
+              <a:t> = </a:t>
+            </a:r>
+            <a:r>
+              <a:rPr lang="en-US" b="1" dirty="0" smtClean="0"/>
+              <a:t>new</a:t>
+            </a:r>
+            <a:r>
+              <a:rPr lang="en-US" dirty="0" smtClean="0"/>
+              <a:t> </a:t>
+            </a:r>
+            <a:r>
+              <a:rPr lang="en-US" b="1" dirty="0" err="1" smtClean="0"/>
+              <a:t>ArrayList</a:t>
+            </a:r>
+            <a:r>
+              <a:rPr lang="en-US" dirty="0" smtClean="0"/>
+              <a:t>&lt;</a:t>
+            </a:r>
+            <a:r>
+              <a:rPr lang="en-US" b="1" dirty="0" smtClean="0"/>
+              <a:t>Integer</a:t>
+            </a:r>
+            <a:r>
+              <a:rPr lang="en-US" dirty="0" smtClean="0"/>
+              <a:t>&gt;();</a:t>
+            </a:r>
+            <a:br>
+              <a:rPr lang="en-US" dirty="0" smtClean="0"/>
+            </a:br>
+            <a:r>
+              <a:rPr lang="en-US" dirty="0" err="1" smtClean="0"/>
+              <a:t>numberList</a:t>
+            </a:r>
+            <a:r>
+              <a:rPr lang="en-US" dirty="0" smtClean="0"/>
+              <a:t> = </a:t>
+            </a:r>
+            <a:r>
+              <a:rPr lang="en-US" b="1" dirty="0" smtClean="0"/>
+              <a:t>new</a:t>
+            </a:r>
+            <a:r>
+              <a:rPr lang="en-US" dirty="0" smtClean="0"/>
+              <a:t> </a:t>
+            </a:r>
+            <a:r>
+              <a:rPr lang="en-US" b="1" dirty="0" err="1" smtClean="0"/>
+              <a:t>ArrayList</a:t>
+            </a:r>
+            <a:r>
+              <a:rPr lang="en-US" dirty="0" smtClean="0"/>
+              <a:t>&lt;</a:t>
+            </a:r>
+            <a:r>
+              <a:rPr lang="en-US" b="1" dirty="0" smtClean="0"/>
+              <a:t>Float</a:t>
+            </a:r>
+            <a:r>
+              <a:rPr lang="en-US" dirty="0" smtClean="0"/>
+              <a:t>&gt;();</a:t>
+            </a:r>
+            <a:br>
+              <a:rPr lang="en-US" dirty="0" smtClean="0"/>
+            </a:br>
+            <a:r>
+              <a:rPr lang="en-US" dirty="0" smtClean="0"/>
+              <a:t/>
+            </a:r>
+            <a:br>
+              <a:rPr lang="en-US" dirty="0" smtClean="0"/>
+            </a:br>
+            <a:endParaRPr lang="en-US" dirty="0"/>
+          </a:p>
+        </p:txBody>
+      </p:sp>
+      <p:sp>
+        <p:nvSpPr>
+          <p:cNvPr id="11" name="Rectangle 10"/>
+          <p:cNvSpPr/>
+          <p:nvPr/>
+        </p:nvSpPr>
+        <p:spPr>
+          <a:xfrm>
+            <a:off x="533400" y="3200400"/>
+            <a:ext cx="7848600" cy="954107"/>
+          </a:xfrm>
+          <a:prstGeom prst="rect">
+            <a:avLst/>
+          </a:prstGeom>
+        </p:spPr>
+        <p:txBody>
+          <a:bodyPr wrap="square">
+            <a:spAutoFit/>
+          </a:bodyPr>
+          <a:lstStyle/>
+          <a:p>
+            <a:r>
+              <a:rPr lang="en-US" b="1" dirty="0" err="1" smtClean="0"/>
+              <a:t>ArrayList</a:t>
+            </a:r>
+            <a:r>
+              <a:rPr lang="en-US" dirty="0" smtClean="0"/>
+              <a:t>&lt;? </a:t>
+            </a:r>
+            <a:r>
+              <a:rPr lang="en-US" b="1" dirty="0" smtClean="0"/>
+              <a:t>super</a:t>
+            </a:r>
+            <a:r>
+              <a:rPr lang="en-US" dirty="0" smtClean="0"/>
+              <a:t> </a:t>
+            </a:r>
+            <a:r>
+              <a:rPr lang="en-US" b="1" dirty="0" smtClean="0"/>
+              <a:t>Integer</a:t>
+            </a:r>
+            <a:r>
+              <a:rPr lang="en-US" dirty="0" smtClean="0"/>
+              <a:t>&gt; </a:t>
+            </a:r>
+            <a:r>
+              <a:rPr lang="en-US" dirty="0" err="1" smtClean="0"/>
+              <a:t>numberList</a:t>
+            </a:r>
+            <a:r>
+              <a:rPr lang="en-US" dirty="0" smtClean="0"/>
+              <a:t> = </a:t>
+            </a:r>
+            <a:r>
+              <a:rPr lang="en-US" b="1" dirty="0" smtClean="0"/>
+              <a:t>new</a:t>
+            </a:r>
+            <a:r>
+              <a:rPr lang="en-US" dirty="0" smtClean="0"/>
+              <a:t> </a:t>
+            </a:r>
+            <a:r>
+              <a:rPr lang="en-US" b="1" dirty="0" err="1" smtClean="0"/>
+              <a:t>ArrayList</a:t>
+            </a:r>
+            <a:r>
+              <a:rPr lang="en-US" dirty="0" smtClean="0"/>
+              <a:t>&lt;</a:t>
+            </a:r>
+            <a:r>
+              <a:rPr lang="en-US" b="1" dirty="0" smtClean="0"/>
+              <a:t>Number</a:t>
+            </a:r>
+            <a:r>
+              <a:rPr lang="en-US" dirty="0" smtClean="0"/>
+              <a:t>&gt;();</a:t>
+            </a:r>
+            <a:br>
+              <a:rPr lang="en-US" dirty="0" smtClean="0"/>
+            </a:br>
+            <a:r>
+              <a:rPr lang="en-US" dirty="0" err="1" smtClean="0"/>
+              <a:t>numberList</a:t>
+            </a:r>
+            <a:r>
+              <a:rPr lang="en-US" dirty="0" smtClean="0"/>
+              <a:t> = </a:t>
+            </a:r>
+            <a:r>
+              <a:rPr lang="en-US" b="1" dirty="0" smtClean="0"/>
+              <a:t>new</a:t>
+            </a:r>
+            <a:r>
+              <a:rPr lang="en-US" dirty="0" smtClean="0"/>
+              <a:t> </a:t>
+            </a:r>
+            <a:r>
+              <a:rPr lang="en-US" b="1" dirty="0" err="1" smtClean="0"/>
+              <a:t>ArrayList</a:t>
+            </a:r>
+            <a:r>
+              <a:rPr lang="en-US" dirty="0" smtClean="0"/>
+              <a:t>&lt;</a:t>
+            </a:r>
+            <a:r>
+              <a:rPr lang="en-US" b="1" dirty="0" smtClean="0"/>
+              <a:t>Integer</a:t>
+            </a:r>
+            <a:r>
+              <a:rPr lang="en-US" dirty="0" smtClean="0"/>
+              <a:t>&gt;();</a:t>
+            </a:r>
+            <a:br>
+              <a:rPr lang="en-US" dirty="0" smtClean="0"/>
+            </a:br>
+            <a:r>
+              <a:rPr lang="en-US" dirty="0" err="1" smtClean="0"/>
+              <a:t>numberList</a:t>
+            </a:r>
+            <a:r>
+              <a:rPr lang="en-US" dirty="0" smtClean="0"/>
+              <a:t> = </a:t>
+            </a:r>
+            <a:r>
+              <a:rPr lang="en-US" b="1" dirty="0" smtClean="0"/>
+              <a:t>new</a:t>
+            </a:r>
+            <a:r>
+              <a:rPr lang="en-US" dirty="0" smtClean="0"/>
+              <a:t> </a:t>
+            </a:r>
+            <a:r>
+              <a:rPr lang="en-US" b="1" dirty="0" err="1" smtClean="0"/>
+              <a:t>ArrayList</a:t>
+            </a:r>
+            <a:r>
+              <a:rPr lang="en-US" dirty="0" smtClean="0"/>
+              <a:t>&lt;</a:t>
+            </a:r>
+            <a:r>
+              <a:rPr lang="en-US" b="1" dirty="0" smtClean="0"/>
+              <a:t>Float</a:t>
+            </a:r>
+            <a:r>
+              <a:rPr lang="en-US" dirty="0" smtClean="0"/>
+              <a:t>&gt;(); </a:t>
+            </a:r>
+            <a:r>
+              <a:rPr lang="en-US" i="1" dirty="0" smtClean="0"/>
+              <a:t>//compilation error</a:t>
+            </a:r>
+            <a:r>
+              <a:rPr lang="en-US" dirty="0" smtClean="0"/>
+              <a:t/>
+            </a:r>
+            <a:br>
+              <a:rPr lang="en-US" dirty="0" smtClean="0"/>
+            </a:br>
+            <a:endParaRPr lang="en-US" dirty="0"/>
+          </a:p>
+        </p:txBody>
+      </p:sp>
+    </p:spTree>
+  </p:cSld>
+  <p:clrMapOvr>
+    <a:masterClrMapping/>
+  </p:clrMapOvr>
+  <p:transition spd="slow">
+    <p:cut/>
+  </p:transition>
+  <p:timing>
+    <p:tnLst>
+      <p:par>
+        <p:cTn id="1" dur="indefinite" restart="never" nodeType="tmRoot"/>
+      </p:par>
+    </p:tnLst>
+  </p:timing>
 </p:sld>
 </file>
 
 <file path=ppt/slides/slide14.xml><?xml version="1.0" encoding="utf-8"?>
+<p:sld xmlns:a="http://schemas.openxmlformats.org/drawingml/2006/main" xmlns:r="http://schemas.openxmlformats.org/officeDocument/2006/relationships" xmlns:p="http://schemas.openxmlformats.org/presentationml/2006/main">
+  <p:cSld>
+    <p:bg>
+      <p:bgPr>
+        <a:blipFill rotWithShape="1">
+          <a:blip r:embed="rId3">
+            <a:alphaModFix/>
+          </a:blip>
+          <a:stretch>
+            <a:fillRect/>
+          </a:stretch>
+        </a:blipFill>
+        <a:effectLst/>
+      </p:bgPr>
+    </p:bg>
+    <p:spTree>
+      <p:nvGrpSpPr>
+        <p:cNvPr id="1" name="Shape 197"/>
+        <p:cNvGrpSpPr/>
+        <p:nvPr/>
+      </p:nvGrpSpPr>
+      <p:grpSpPr>
+        <a:xfrm>
+          <a:off x="0" y="0"/>
+          <a:ext cx="0" cy="0"/>
+          <a:chOff x="0" y="0"/>
+          <a:chExt cx="0" cy="0"/>
+        </a:xfrm>
+      </p:grpSpPr>
+      <p:sp>
+        <p:nvSpPr>
+          <p:cNvPr id="201" name="Shape 201"/>
+          <p:cNvSpPr txBox="1">
+            <a:spLocks noGrp="1"/>
+          </p:cNvSpPr>
+          <p:nvPr>
+            <p:ph type="ctrTitle"/>
+          </p:nvPr>
+        </p:nvSpPr>
+        <p:spPr>
+          <a:xfrm>
+            <a:off x="1547812" y="549275"/>
+            <a:ext cx="8137525" cy="1150936"/>
+          </a:xfrm>
+          <a:prstGeom prst="rect">
+            <a:avLst/>
+          </a:prstGeom>
+          <a:noFill/>
+          <a:ln>
+            <a:noFill/>
+          </a:ln>
+        </p:spPr>
+        <p:txBody>
+          <a:bodyPr lIns="91425" tIns="45700" rIns="91425" bIns="45700" anchor="ctr" anchorCtr="0">
+            <a:noAutofit/>
+          </a:bodyPr>
+          <a:lstStyle/>
+          <a:p>
+            <a:pPr marL="0" marR="0" lvl="0" indent="0" algn="l" rtl="0">
+              <a:lnSpc>
+                <a:spcPct val="100000"/>
+              </a:lnSpc>
+              <a:spcBef>
+                <a:spcPts val="0"/>
+              </a:spcBef>
+              <a:spcAft>
+                <a:spcPts val="0"/>
+              </a:spcAft>
+              <a:buClr>
+                <a:schemeClr val="dk1"/>
+              </a:buClr>
+              <a:buSzPct val="25000"/>
+              <a:buFont typeface="Open Sans"/>
+              <a:buNone/>
+            </a:pPr>
+            <a:r>
+              <a:rPr lang="en-US" sz="4000" b="0" i="0" u="none" strike="noStrike" cap="none" baseline="0">
+                <a:solidFill>
+                  <a:schemeClr val="dk1"/>
+                </a:solidFill>
+                <a:latin typeface="Open Sans"/>
+                <a:ea typeface="Open Sans"/>
+                <a:cs typeface="Open Sans"/>
+                <a:sym typeface="Open Sans"/>
+              </a:rPr>
+              <a:t>Generics </a:t>
+            </a:r>
+          </a:p>
+        </p:txBody>
+      </p:sp>
+      <p:pic>
+        <p:nvPicPr>
+          <p:cNvPr id="202" name="Shape 202"/>
+          <p:cNvPicPr preferRelativeResize="0"/>
+          <p:nvPr/>
+        </p:nvPicPr>
+        <p:blipFill rotWithShape="1">
+          <a:blip r:embed="rId4">
+            <a:alphaModFix/>
+          </a:blip>
+          <a:srcRect/>
+          <a:stretch/>
+        </p:blipFill>
+        <p:spPr>
+          <a:xfrm>
+            <a:off x="584200" y="260350"/>
+            <a:ext cx="747711" cy="1184275"/>
+          </a:xfrm>
+          <a:prstGeom prst="rect">
+            <a:avLst/>
+          </a:prstGeom>
+          <a:noFill/>
+          <a:ln>
+            <a:noFill/>
+          </a:ln>
+        </p:spPr>
+      </p:pic>
+      <p:pic>
+        <p:nvPicPr>
+          <p:cNvPr id="1026" name="Picture 2"/>
+          <p:cNvPicPr>
+            <a:picLocks noChangeAspect="1" noChangeArrowheads="1"/>
+          </p:cNvPicPr>
+          <p:nvPr/>
+        </p:nvPicPr>
+        <p:blipFill>
+          <a:blip r:embed="rId5"/>
+          <a:srcRect/>
+          <a:stretch>
+            <a:fillRect/>
+          </a:stretch>
+        </p:blipFill>
+        <p:spPr bwMode="auto">
+          <a:xfrm>
+            <a:off x="457200" y="1600200"/>
+            <a:ext cx="8315325" cy="5132254"/>
+          </a:xfrm>
+          <a:prstGeom prst="rect">
+            <a:avLst/>
+          </a:prstGeom>
+          <a:noFill/>
+          <a:ln w="9525">
+            <a:noFill/>
+            <a:miter lim="800000"/>
+            <a:headEnd/>
+            <a:tailEnd/>
+          </a:ln>
+        </p:spPr>
+      </p:pic>
+    </p:spTree>
+  </p:cSld>
+  <p:clrMapOvr>
+    <a:masterClrMapping/>
+  </p:clrMapOvr>
+  <p:transition spd="slow">
+    <p:cut/>
+  </p:transition>
+  <p:timing>
+    <p:tnLst>
+      <p:par>
+        <p:cTn id="1" dur="indefinite" restart="never" nodeType="tmRoot"/>
+      </p:par>
+    </p:tnLst>
+  </p:timing>
+</p:sld>
+</file>
+
+<file path=ppt/slides/slide15.xml><?xml version="1.0" encoding="utf-8"?>
 <p:sld xmlns:a="http://schemas.openxmlformats.org/drawingml/2006/main" xmlns:r="http://schemas.openxmlformats.org/officeDocument/2006/relationships" xmlns:p="http://schemas.openxmlformats.org/presentationml/2006/main">
   <p:cSld>
     <p:bg>
@@ -13319,10 +13769,17 @@
   <p:transition spd="slow">
     <p:cut/>
   </p:transition>
+  <p:timing>
+    <p:tnLst>
+      <p:par>
+        <p:cTn id="1" dur="indefinite" restart="never" nodeType="tmRoot"/>
+      </p:par>
+    </p:tnLst>
+  </p:timing>
 </p:sld>
 </file>
 
-<file path=ppt/slides/slide15.xml><?xml version="1.0" encoding="utf-8"?>
+<file path=ppt/slides/slide16.xml><?xml version="1.0" encoding="utf-8"?>
 <p:sld xmlns:a="http://schemas.openxmlformats.org/drawingml/2006/main" xmlns:r="http://schemas.openxmlformats.org/officeDocument/2006/relationships" xmlns:p="http://schemas.openxmlformats.org/presentationml/2006/main">
   <p:cSld>
     <p:bg>
@@ -13689,10 +14146,17 @@
   <p:transition spd="slow">
     <p:cut/>
   </p:transition>
+  <p:timing>
+    <p:tnLst>
+      <p:par>
+        <p:cTn id="1" dur="indefinite" restart="never" nodeType="tmRoot"/>
+      </p:par>
+    </p:tnLst>
+  </p:timing>
 </p:sld>
 </file>
 
-<file path=ppt/slides/slide16.xml><?xml version="1.0" encoding="utf-8"?>
+<file path=ppt/slides/slide17.xml><?xml version="1.0" encoding="utf-8"?>
 <p:sld xmlns:a="http://schemas.openxmlformats.org/drawingml/2006/main" xmlns:r="http://schemas.openxmlformats.org/officeDocument/2006/relationships" xmlns:p="http://schemas.openxmlformats.org/presentationml/2006/main">
   <p:cSld>
     <p:bg>
@@ -14116,10 +14580,17 @@
   <p:transition spd="slow">
     <p:cut/>
   </p:transition>
+  <p:timing>
+    <p:tnLst>
+      <p:par>
+        <p:cTn id="1" dur="indefinite" restart="never" nodeType="tmRoot"/>
+      </p:par>
+    </p:tnLst>
+  </p:timing>
 </p:sld>
 </file>
 
-<file path=ppt/slides/slide17.xml><?xml version="1.0" encoding="utf-8"?>
+<file path=ppt/slides/slide18.xml><?xml version="1.0" encoding="utf-8"?>
 <p:sld xmlns:a="http://schemas.openxmlformats.org/drawingml/2006/main" xmlns:r="http://schemas.openxmlformats.org/officeDocument/2006/relationships" xmlns:p="http://schemas.openxmlformats.org/presentationml/2006/main">
   <p:cSld>
     <p:bg>
@@ -14486,10 +14957,17 @@
   <p:transition spd="slow">
     <p:cut/>
   </p:transition>
+  <p:timing>
+    <p:tnLst>
+      <p:par>
+        <p:cTn id="1" dur="indefinite" restart="never" nodeType="tmRoot"/>
+      </p:par>
+    </p:tnLst>
+  </p:timing>
 </p:sld>
 </file>
 
-<file path=ppt/slides/slide18.xml><?xml version="1.0" encoding="utf-8"?>
+<file path=ppt/slides/slide19.xml><?xml version="1.0" encoding="utf-8"?>
 <p:sld xmlns:a="http://schemas.openxmlformats.org/drawingml/2006/main" xmlns:r="http://schemas.openxmlformats.org/officeDocument/2006/relationships" xmlns:p="http://schemas.openxmlformats.org/presentationml/2006/main">
   <p:cSld>
     <p:bg>
@@ -14619,7 +15097,7 @@
               <a:buChar char="•"/>
             </a:pPr>
             <a:r>
-              <a:rPr lang="en-US" sz="2000" b="0" i="0" u="none" strike="noStrike" cap="none" baseline="0">
+              <a:rPr lang="en-US" sz="2000" b="0" i="0" u="none" strike="noStrike" cap="none" baseline="0" dirty="0">
                 <a:solidFill>
                   <a:schemeClr val="dk1"/>
                 </a:solidFill>
@@ -14631,7 +15109,7 @@
               <a:t>Exercise:</a:t>
             </a:r>
             <a:br>
-              <a:rPr lang="en-US" sz="2000" b="0" i="0" u="none" strike="noStrike" cap="none" baseline="0">
+              <a:rPr lang="en-US" sz="2000" b="0" i="0" u="none" strike="noStrike" cap="none" baseline="0" dirty="0">
                 <a:solidFill>
                   <a:schemeClr val="dk1"/>
                 </a:solidFill>
@@ -14642,7 +15120,7 @@
               </a:rPr>
             </a:br>
             <a:r>
-              <a:rPr lang="en-US" sz="2000" b="0" i="0" u="none" strike="noStrike" cap="none" baseline="0">
+              <a:rPr lang="en-US" sz="2000" b="0" i="0" u="none" strike="noStrike" cap="none" baseline="0" dirty="0">
                 <a:solidFill>
                   <a:schemeClr val="dk1"/>
                 </a:solidFill>
@@ -14654,7 +15132,7 @@
               <a:t>Write a parameterized </a:t>
             </a:r>
             <a:r>
-              <a:rPr lang="en-US" sz="2000" b="1" i="0" u="none" strike="noStrike" cap="none" baseline="0">
+              <a:rPr lang="en-US" sz="2000" b="1" i="0" u="none" strike="noStrike" cap="none" baseline="0" dirty="0" err="1" smtClean="0">
                 <a:solidFill>
                   <a:schemeClr val="dk1"/>
                 </a:solidFill>
@@ -14663,10 +15141,10 @@
                 <a:cs typeface="Open Sans"/>
                 <a:sym typeface="Open Sans"/>
               </a:rPr>
-              <a:t>DuaList</a:t>
+              <a:t>DualList</a:t>
             </a:r>
             <a:r>
-              <a:rPr lang="en-US" sz="2000" b="0" i="0" u="none" strike="noStrike" cap="none" baseline="0">
+              <a:rPr lang="en-US" sz="2000" b="0" i="0" u="none" strike="noStrike" cap="none" baseline="0" dirty="0" smtClean="0">
                 <a:solidFill>
                   <a:schemeClr val="dk1"/>
                 </a:solidFill>
@@ -14675,7 +15153,19 @@
                 <a:cs typeface="Open Sans"/>
                 <a:sym typeface="Open Sans"/>
               </a:rPr>
-              <a:t> class which contains two lists of two different types. </a:t>
+              <a:t> </a:t>
+            </a:r>
+            <a:r>
+              <a:rPr lang="en-US" sz="2000" b="0" i="0" u="none" strike="noStrike" cap="none" baseline="0" dirty="0">
+                <a:solidFill>
+                  <a:schemeClr val="dk1"/>
+                </a:solidFill>
+                <a:latin typeface="Open Sans"/>
+                <a:ea typeface="Open Sans"/>
+                <a:cs typeface="Open Sans"/>
+                <a:sym typeface="Open Sans"/>
+              </a:rPr>
+              <a:t>class which contains two lists of two different types. </a:t>
             </a:r>
           </a:p>
           <a:p>
@@ -14697,7 +15187,7 @@
               <a:buNone/>
             </a:pPr>
             <a:r>
-              <a:rPr lang="en-US" sz="2000" b="0" i="0" u="none" strike="noStrike" cap="none" baseline="0">
+              <a:rPr lang="en-US" sz="2000" b="0" i="0" u="none" strike="noStrike" cap="none" baseline="0" dirty="0">
                 <a:solidFill>
                   <a:schemeClr val="dk1"/>
                 </a:solidFill>
@@ -14709,7 +15199,7 @@
               <a:t>      Write a method </a:t>
             </a:r>
             <a:r>
-              <a:rPr lang="en-US" sz="2000" b="1" i="0" u="none" strike="noStrike" cap="none" baseline="0">
+              <a:rPr lang="en-US" sz="2000" b="1" i="0" u="none" strike="noStrike" cap="none" baseline="0" dirty="0" err="1">
                 <a:solidFill>
                   <a:schemeClr val="dk1"/>
                 </a:solidFill>
@@ -14721,7 +15211,7 @@
               <a:t>toString</a:t>
             </a:r>
             <a:r>
-              <a:rPr lang="en-US" sz="2000" b="0" i="0" u="none" strike="noStrike" cap="none" baseline="0">
+              <a:rPr lang="en-US" sz="2000" b="0" i="0" u="none" strike="noStrike" cap="none" baseline="0" dirty="0">
                 <a:solidFill>
                   <a:schemeClr val="dk1"/>
                 </a:solidFill>
@@ -14730,10 +15220,34 @@
                 <a:cs typeface="Open Sans"/>
                 <a:sym typeface="Open Sans"/>
               </a:rPr>
-              <a:t> thats returns string representation of          </a:t>
+              <a:t> </a:t>
+            </a:r>
+            <a:r>
+              <a:rPr lang="en-US" sz="2000" b="0" i="0" u="none" strike="noStrike" cap="none" baseline="0" dirty="0" err="1">
+                <a:solidFill>
+                  <a:schemeClr val="dk1"/>
+                </a:solidFill>
+                <a:latin typeface="Open Sans"/>
+                <a:ea typeface="Open Sans"/>
+                <a:cs typeface="Open Sans"/>
+                <a:sym typeface="Open Sans"/>
+              </a:rPr>
+              <a:t>thats</a:t>
+            </a:r>
+            <a:r>
+              <a:rPr lang="en-US" sz="2000" b="0" i="0" u="none" strike="noStrike" cap="none" baseline="0" dirty="0">
+                <a:solidFill>
+                  <a:schemeClr val="dk1"/>
+                </a:solidFill>
+                <a:latin typeface="Open Sans"/>
+                <a:ea typeface="Open Sans"/>
+                <a:cs typeface="Open Sans"/>
+                <a:sym typeface="Open Sans"/>
+              </a:rPr>
+              <a:t> returns string representation of          </a:t>
             </a:r>
             <a:br>
-              <a:rPr lang="en-US" sz="2000" b="0" i="0" u="none" strike="noStrike" cap="none" baseline="0">
+              <a:rPr lang="en-US" sz="2000" b="0" i="0" u="none" strike="noStrike" cap="none" baseline="0" dirty="0">
                 <a:solidFill>
                   <a:schemeClr val="dk1"/>
                 </a:solidFill>
@@ -14744,7 +15258,7 @@
               </a:rPr>
             </a:br>
             <a:r>
-              <a:rPr lang="en-US" sz="2000" b="0" i="0" u="none" strike="noStrike" cap="none" baseline="0">
+              <a:rPr lang="en-US" sz="2000" b="0" i="0" u="none" strike="noStrike" cap="none" baseline="0" dirty="0">
                 <a:solidFill>
                   <a:schemeClr val="dk1"/>
                 </a:solidFill>
@@ -14753,10 +15267,34 @@
                 <a:cs typeface="Open Sans"/>
                 <a:sym typeface="Open Sans"/>
               </a:rPr>
-              <a:t>      both lists as one with “→” delimiter using iterators. </a:t>
+              <a:t>      both lists as one with “→” delimiter using </a:t>
+            </a:r>
+            <a:r>
+              <a:rPr lang="en-US" sz="2000" b="0" i="0" u="none" strike="noStrike" cap="none" baseline="0" dirty="0" err="1">
+                <a:solidFill>
+                  <a:schemeClr val="dk1"/>
+                </a:solidFill>
+                <a:latin typeface="Open Sans"/>
+                <a:ea typeface="Open Sans"/>
+                <a:cs typeface="Open Sans"/>
+                <a:sym typeface="Open Sans"/>
+              </a:rPr>
+              <a:t>iterators</a:t>
+            </a:r>
+            <a:r>
+              <a:rPr lang="en-US" sz="2000" b="0" i="0" u="none" strike="noStrike" cap="none" baseline="0" dirty="0">
+                <a:solidFill>
+                  <a:schemeClr val="dk1"/>
+                </a:solidFill>
+                <a:latin typeface="Open Sans"/>
+                <a:ea typeface="Open Sans"/>
+                <a:cs typeface="Open Sans"/>
+                <a:sym typeface="Open Sans"/>
+              </a:rPr>
+              <a:t>. </a:t>
             </a:r>
             <a:br>
-              <a:rPr lang="en-US" sz="2000" b="0" i="0" u="none" strike="noStrike" cap="none" baseline="0">
+              <a:rPr lang="en-US" sz="2000" b="0" i="0" u="none" strike="noStrike" cap="none" baseline="0" dirty="0">
                 <a:solidFill>
                   <a:schemeClr val="dk1"/>
                 </a:solidFill>
@@ -14767,7 +15305,7 @@
               </a:rPr>
             </a:br>
             <a:r>
-              <a:rPr lang="en-US" sz="2000" b="0" i="0" u="none" strike="noStrike" cap="none" baseline="0">
+              <a:rPr lang="en-US" sz="2000" b="0" i="0" u="none" strike="noStrike" cap="none" baseline="0" dirty="0">
                 <a:solidFill>
                   <a:schemeClr val="dk1"/>
                 </a:solidFill>
@@ -14798,7 +15336,7 @@
               <a:buNone/>
             </a:pPr>
             <a:r>
-              <a:rPr lang="en-US" sz="2000" b="0" i="0" u="none" strike="noStrike" cap="none" baseline="0">
+              <a:rPr lang="en-US" sz="2000" b="0" i="0" u="none" strike="noStrike" cap="none" baseline="0" dirty="0">
                 <a:solidFill>
                   <a:schemeClr val="dk1"/>
                 </a:solidFill>
@@ -14823,7 +15361,7 @@
               </a:spcAft>
               <a:buNone/>
             </a:pPr>
-            <a:endParaRPr sz="800" b="0" i="0" u="none" strike="noStrike" cap="none" baseline="0">
+            <a:endParaRPr sz="800" b="0" i="0" u="none" strike="noStrike" cap="none" baseline="0" dirty="0">
               <a:solidFill>
                 <a:schemeClr val="dk1"/>
               </a:solidFill>
@@ -14985,10 +15523,308 @@
   <p:transition spd="slow">
     <p:cut/>
   </p:transition>
+  <p:timing>
+    <p:tnLst>
+      <p:par>
+        <p:cTn id="1" dur="indefinite" restart="never" nodeType="tmRoot"/>
+      </p:par>
+    </p:tnLst>
+  </p:timing>
 </p:sld>
 </file>
 
-<file path=ppt/slides/slide19.xml><?xml version="1.0" encoding="utf-8"?>
+<file path=ppt/slides/slide2.xml><?xml version="1.0" encoding="utf-8"?>
+<p:sld xmlns:a="http://schemas.openxmlformats.org/drawingml/2006/main" xmlns:r="http://schemas.openxmlformats.org/officeDocument/2006/relationships" xmlns:p="http://schemas.openxmlformats.org/presentationml/2006/main">
+  <p:cSld>
+    <p:bg>
+      <p:bgPr>
+        <a:blipFill rotWithShape="1">
+          <a:blip r:embed="rId3">
+            <a:alphaModFix/>
+          </a:blip>
+          <a:stretch>
+            <a:fillRect/>
+          </a:stretch>
+        </a:blipFill>
+        <a:effectLst/>
+      </p:bgPr>
+    </p:bg>
+    <p:spTree>
+      <p:nvGrpSpPr>
+        <p:cNvPr id="1" name="Shape 101"/>
+        <p:cNvGrpSpPr/>
+        <p:nvPr/>
+      </p:nvGrpSpPr>
+      <p:grpSpPr>
+        <a:xfrm>
+          <a:off x="0" y="0"/>
+          <a:ext cx="0" cy="0"/>
+          <a:chOff x="0" y="0"/>
+          <a:chExt cx="0" cy="0"/>
+        </a:xfrm>
+      </p:grpSpPr>
+      <p:pic>
+        <p:nvPicPr>
+          <p:cNvPr id="102" name="Shape 102"/>
+          <p:cNvPicPr preferRelativeResize="0"/>
+          <p:nvPr/>
+        </p:nvPicPr>
+        <p:blipFill rotWithShape="1">
+          <a:blip r:embed="rId4">
+            <a:alphaModFix/>
+          </a:blip>
+          <a:srcRect/>
+          <a:stretch/>
+        </p:blipFill>
+        <p:spPr>
+          <a:xfrm>
+            <a:off x="0" y="0"/>
+            <a:ext cx="9144000" cy="2284412"/>
+          </a:xfrm>
+          <a:prstGeom prst="rect">
+            <a:avLst/>
+          </a:prstGeom>
+          <a:noFill/>
+          <a:ln>
+            <a:noFill/>
+          </a:ln>
+        </p:spPr>
+      </p:pic>
+      <p:sp>
+        <p:nvSpPr>
+          <p:cNvPr id="103" name="Shape 103"/>
+          <p:cNvSpPr txBox="1"/>
+          <p:nvPr/>
+        </p:nvSpPr>
+        <p:spPr>
+          <a:xfrm>
+            <a:off x="468312" y="2565400"/>
+            <a:ext cx="8135936" cy="431799"/>
+          </a:xfrm>
+          <a:prstGeom prst="rect">
+            <a:avLst/>
+          </a:prstGeom>
+          <a:noFill/>
+          <a:ln>
+            <a:noFill/>
+          </a:ln>
+        </p:spPr>
+        <p:txBody>
+          <a:bodyPr lIns="91425" tIns="45700" rIns="91425" bIns="45700" anchor="ctr" anchorCtr="0">
+            <a:noAutofit/>
+          </a:bodyPr>
+          <a:lstStyle/>
+          <a:p>
+            <a:pPr marL="0" marR="0" lvl="0" indent="0" algn="r" rtl="1">
+              <a:lnSpc>
+                <a:spcPct val="100000"/>
+              </a:lnSpc>
+              <a:spcBef>
+                <a:spcPts val="0"/>
+              </a:spcBef>
+              <a:spcAft>
+                <a:spcPts val="0"/>
+              </a:spcAft>
+              <a:buNone/>
+            </a:pPr>
+            <a:endParaRPr sz="1800" b="0" i="0" u="none" strike="noStrike" cap="none" baseline="0">
+              <a:solidFill>
+                <a:schemeClr val="dk1"/>
+              </a:solidFill>
+              <a:latin typeface="Calibri"/>
+              <a:ea typeface="Calibri"/>
+              <a:cs typeface="Calibri"/>
+              <a:sym typeface="Calibri"/>
+            </a:endParaRPr>
+          </a:p>
+        </p:txBody>
+      </p:sp>
+      <p:sp>
+        <p:nvSpPr>
+          <p:cNvPr id="104" name="Shape 104"/>
+          <p:cNvSpPr txBox="1"/>
+          <p:nvPr/>
+        </p:nvSpPr>
+        <p:spPr>
+          <a:xfrm>
+            <a:off x="503237" y="2565400"/>
+            <a:ext cx="8135936" cy="1295400"/>
+          </a:xfrm>
+          <a:prstGeom prst="rect">
+            <a:avLst/>
+          </a:prstGeom>
+          <a:noFill/>
+          <a:ln>
+            <a:noFill/>
+          </a:ln>
+        </p:spPr>
+        <p:txBody>
+          <a:bodyPr lIns="91425" tIns="45700" rIns="91425" bIns="45700" anchor="ctr" anchorCtr="0">
+            <a:noAutofit/>
+          </a:bodyPr>
+          <a:lstStyle/>
+          <a:p>
+            <a:pPr marL="0" marR="0" lvl="0" indent="0" algn="r" rtl="1">
+              <a:lnSpc>
+                <a:spcPct val="100000"/>
+              </a:lnSpc>
+              <a:spcBef>
+                <a:spcPts val="0"/>
+              </a:spcBef>
+              <a:spcAft>
+                <a:spcPts val="0"/>
+              </a:spcAft>
+              <a:buNone/>
+            </a:pPr>
+            <a:endParaRPr sz="1800" b="0" i="0" u="none" strike="noStrike" cap="none" baseline="0">
+              <a:solidFill>
+                <a:schemeClr val="dk1"/>
+              </a:solidFill>
+              <a:latin typeface="Calibri"/>
+              <a:ea typeface="Calibri"/>
+              <a:cs typeface="Calibri"/>
+              <a:sym typeface="Calibri"/>
+            </a:endParaRPr>
+          </a:p>
+        </p:txBody>
+      </p:sp>
+      <p:sp>
+        <p:nvSpPr>
+          <p:cNvPr id="105" name="Shape 105"/>
+          <p:cNvSpPr txBox="1">
+            <a:spLocks noGrp="1"/>
+          </p:cNvSpPr>
+          <p:nvPr>
+            <p:ph type="ctrTitle"/>
+          </p:nvPr>
+        </p:nvSpPr>
+        <p:spPr>
+          <a:xfrm>
+            <a:off x="503237" y="1341437"/>
+            <a:ext cx="8137525" cy="1150936"/>
+          </a:xfrm>
+          <a:prstGeom prst="rect">
+            <a:avLst/>
+          </a:prstGeom>
+          <a:noFill/>
+          <a:ln>
+            <a:noFill/>
+          </a:ln>
+        </p:spPr>
+        <p:txBody>
+          <a:bodyPr lIns="91425" tIns="45700" rIns="91425" bIns="45700" anchor="ctr" anchorCtr="0">
+            <a:noAutofit/>
+          </a:bodyPr>
+          <a:lstStyle/>
+          <a:p>
+            <a:pPr marL="0" marR="0" lvl="0" indent="0" algn="ctr" rtl="0">
+              <a:lnSpc>
+                <a:spcPct val="100000"/>
+              </a:lnSpc>
+              <a:spcBef>
+                <a:spcPts val="0"/>
+              </a:spcBef>
+              <a:spcAft>
+                <a:spcPts val="0"/>
+              </a:spcAft>
+              <a:buClr>
+                <a:schemeClr val="lt1"/>
+              </a:buClr>
+              <a:buSzPct val="25000"/>
+              <a:buFont typeface="Open Sans"/>
+              <a:buNone/>
+            </a:pPr>
+            <a:r>
+              <a:rPr lang="en-US" sz="4000" b="0" i="0" u="none" strike="noStrike" cap="none" baseline="0">
+                <a:solidFill>
+                  <a:schemeClr val="lt1"/>
+                </a:solidFill>
+                <a:latin typeface="Open Sans"/>
+                <a:ea typeface="Open Sans"/>
+                <a:cs typeface="Open Sans"/>
+                <a:sym typeface="Open Sans"/>
+              </a:rPr>
+              <a:t>Java basics - 4</a:t>
+            </a:r>
+          </a:p>
+        </p:txBody>
+      </p:sp>
+      <p:sp>
+        <p:nvSpPr>
+          <p:cNvPr id="106" name="Shape 106"/>
+          <p:cNvSpPr txBox="1"/>
+          <p:nvPr/>
+        </p:nvSpPr>
+        <p:spPr>
+          <a:xfrm>
+            <a:off x="395287" y="3141661"/>
+            <a:ext cx="8135936" cy="2590800"/>
+          </a:xfrm>
+          <a:prstGeom prst="rect">
+            <a:avLst/>
+          </a:prstGeom>
+          <a:noFill/>
+          <a:ln>
+            <a:noFill/>
+          </a:ln>
+        </p:spPr>
+        <p:txBody>
+          <a:bodyPr lIns="91425" tIns="45700" rIns="91425" bIns="45700" anchor="ctr" anchorCtr="0">
+            <a:noAutofit/>
+          </a:bodyPr>
+          <a:lstStyle/>
+          <a:p>
+            <a:pPr marL="342900" marR="0" lvl="0" indent="-342900" algn="l" rtl="0">
+              <a:lnSpc>
+                <a:spcPct val="150000"/>
+              </a:lnSpc>
+              <a:spcBef>
+                <a:spcPts val="0"/>
+              </a:spcBef>
+              <a:spcAft>
+                <a:spcPts val="0"/>
+              </a:spcAft>
+              <a:buClr>
+                <a:srgbClr val="552438"/>
+              </a:buClr>
+              <a:buSzPct val="100000"/>
+              <a:buFont typeface="Arial"/>
+              <a:buChar char="•"/>
+            </a:pPr>
+            <a:r>
+              <a:rPr lang="en-US" sz="2000" b="0" i="0" u="none" strike="noStrike" cap="none" baseline="0">
+                <a:solidFill>
+                  <a:schemeClr val="dk1"/>
+                </a:solidFill>
+                <a:latin typeface="Open Sans"/>
+                <a:ea typeface="Open Sans"/>
+                <a:cs typeface="Open Sans"/>
+                <a:sym typeface="Open Sans"/>
+              </a:rPr>
+              <a:t>Generics</a:t>
+            </a:r>
+          </a:p>
+        </p:txBody>
+      </p:sp>
+    </p:spTree>
+  </p:cSld>
+  <p:clrMapOvr>
+    <a:masterClrMapping/>
+  </p:clrMapOvr>
+  <p:transition spd="slow">
+    <p:cut/>
+  </p:transition>
+  <p:timing>
+    <p:tnLst>
+      <p:par>
+        <p:cTn id="1" dur="indefinite" restart="never" nodeType="tmRoot"/>
+      </p:par>
+    </p:tnLst>
+  </p:timing>
+</p:sld>
+</file>
+
+<file path=ppt/slides/slide20.xml><?xml version="1.0" encoding="utf-8"?>
 <p:sld xmlns:a="http://schemas.openxmlformats.org/drawingml/2006/main" xmlns:r="http://schemas.openxmlformats.org/officeDocument/2006/relationships" xmlns:p="http://schemas.openxmlformats.org/presentationml/2006/main">
   <p:cSld>
     <p:bg>
@@ -15269,28 +16105,22 @@
   <p:transition spd="slow">
     <p:cut/>
   </p:transition>
+  <p:timing>
+    <p:tnLst>
+      <p:par>
+        <p:cTn id="1" dur="indefinite" restart="never" nodeType="tmRoot"/>
+      </p:par>
+    </p:tnLst>
+  </p:timing>
 </p:sld>
 </file>
 
-<file path=ppt/slides/slide2.xml><?xml version="1.0" encoding="utf-8"?>
+<file path=ppt/slides/slide21.xml><?xml version="1.0" encoding="utf-8"?>
 <p:sld xmlns:a="http://schemas.openxmlformats.org/drawingml/2006/main" xmlns:r="http://schemas.openxmlformats.org/officeDocument/2006/relationships" xmlns:p="http://schemas.openxmlformats.org/presentationml/2006/main">
   <p:cSld>
-    <p:bg>
-      <p:bgPr>
-        <a:blipFill rotWithShape="1">
-          <a:blip r:embed="rId3">
-            <a:alphaModFix/>
-          </a:blip>
-          <a:stretch>
-            <a:fillRect/>
-          </a:stretch>
-        </a:blipFill>
-        <a:effectLst/>
-      </p:bgPr>
-    </p:bg>
     <p:spTree>
       <p:nvGrpSpPr>
-        <p:cNvPr id="1" name="Shape 92"/>
+        <p:cNvPr id="1" name="Shape 471"/>
         <p:cNvGrpSpPr/>
         <p:nvPr/>
       </p:nvGrpSpPr>
@@ -15304,12 +16134,12 @@
       </p:grpSpPr>
       <p:pic>
         <p:nvPicPr>
-          <p:cNvPr id="93" name="Shape 93"/>
+          <p:cNvPr id="472" name="Shape 472"/>
           <p:cNvPicPr preferRelativeResize="0"/>
           <p:nvPr/>
         </p:nvPicPr>
         <p:blipFill rotWithShape="1">
-          <a:blip r:embed="rId4">
+          <a:blip r:embed="rId3">
             <a:alphaModFix/>
           </a:blip>
           <a:srcRect/>
@@ -15318,7 +16148,7 @@
         <p:spPr>
           <a:xfrm>
             <a:off x="0" y="0"/>
-            <a:ext cx="9144000" cy="2284412"/>
+            <a:ext cx="9144000" cy="6858000"/>
           </a:xfrm>
           <a:prstGeom prst="rect">
             <a:avLst/>
@@ -15331,353 +16161,7 @@
       </p:pic>
       <p:sp>
         <p:nvSpPr>
-          <p:cNvPr id="94" name="Shape 94"/>
-          <p:cNvSpPr txBox="1"/>
-          <p:nvPr/>
-        </p:nvSpPr>
-        <p:spPr>
-          <a:xfrm>
-            <a:off x="468312" y="2565400"/>
-            <a:ext cx="8135936" cy="431799"/>
-          </a:xfrm>
-          <a:prstGeom prst="rect">
-            <a:avLst/>
-          </a:prstGeom>
-          <a:noFill/>
-          <a:ln>
-            <a:noFill/>
-          </a:ln>
-        </p:spPr>
-        <p:txBody>
-          <a:bodyPr lIns="91425" tIns="45700" rIns="91425" bIns="45700" anchor="ctr" anchorCtr="0">
-            <a:noAutofit/>
-          </a:bodyPr>
-          <a:lstStyle/>
-          <a:p>
-            <a:pPr marL="0" marR="0" lvl="0" indent="0" algn="r" rtl="1">
-              <a:lnSpc>
-                <a:spcPct val="100000"/>
-              </a:lnSpc>
-              <a:spcBef>
-                <a:spcPts val="0"/>
-              </a:spcBef>
-              <a:spcAft>
-                <a:spcPts val="0"/>
-              </a:spcAft>
-              <a:buNone/>
-            </a:pPr>
-            <a:endParaRPr sz="1800" b="0" i="0" u="none" strike="noStrike" cap="none" baseline="0">
-              <a:solidFill>
-                <a:schemeClr val="dk1"/>
-              </a:solidFill>
-              <a:latin typeface="Calibri"/>
-              <a:ea typeface="Calibri"/>
-              <a:cs typeface="Calibri"/>
-              <a:sym typeface="Calibri"/>
-            </a:endParaRPr>
-          </a:p>
-        </p:txBody>
-      </p:sp>
-      <p:sp>
-        <p:nvSpPr>
-          <p:cNvPr id="95" name="Shape 95"/>
-          <p:cNvSpPr txBox="1"/>
-          <p:nvPr/>
-        </p:nvSpPr>
-        <p:spPr>
-          <a:xfrm>
-            <a:off x="503237" y="2565400"/>
-            <a:ext cx="8135936" cy="1295400"/>
-          </a:xfrm>
-          <a:prstGeom prst="rect">
-            <a:avLst/>
-          </a:prstGeom>
-          <a:noFill/>
-          <a:ln>
-            <a:noFill/>
-          </a:ln>
-        </p:spPr>
-        <p:txBody>
-          <a:bodyPr lIns="91425" tIns="45700" rIns="91425" bIns="45700" anchor="ctr" anchorCtr="0">
-            <a:noAutofit/>
-          </a:bodyPr>
-          <a:lstStyle/>
-          <a:p>
-            <a:pPr marL="0" marR="0" lvl="0" indent="0" algn="r" rtl="1">
-              <a:lnSpc>
-                <a:spcPct val="100000"/>
-              </a:lnSpc>
-              <a:spcBef>
-                <a:spcPts val="0"/>
-              </a:spcBef>
-              <a:spcAft>
-                <a:spcPts val="0"/>
-              </a:spcAft>
-              <a:buNone/>
-            </a:pPr>
-            <a:endParaRPr sz="1800" b="0" i="0" u="none" strike="noStrike" cap="none" baseline="0">
-              <a:solidFill>
-                <a:schemeClr val="dk1"/>
-              </a:solidFill>
-              <a:latin typeface="Calibri"/>
-              <a:ea typeface="Calibri"/>
-              <a:cs typeface="Calibri"/>
-              <a:sym typeface="Calibri"/>
-            </a:endParaRPr>
-          </a:p>
-        </p:txBody>
-      </p:sp>
-      <p:sp>
-        <p:nvSpPr>
-          <p:cNvPr id="96" name="Shape 96"/>
-          <p:cNvSpPr txBox="1">
-            <a:spLocks noGrp="1"/>
-          </p:cNvSpPr>
-          <p:nvPr>
-            <p:ph type="ctrTitle"/>
-          </p:nvPr>
-        </p:nvSpPr>
-        <p:spPr>
-          <a:xfrm>
-            <a:off x="503237" y="1341437"/>
-            <a:ext cx="8137525" cy="1150936"/>
-          </a:xfrm>
-          <a:prstGeom prst="rect">
-            <a:avLst/>
-          </a:prstGeom>
-          <a:noFill/>
-          <a:ln>
-            <a:noFill/>
-          </a:ln>
-        </p:spPr>
-        <p:txBody>
-          <a:bodyPr lIns="91425" tIns="45700" rIns="91425" bIns="45700" anchor="ctr" anchorCtr="0">
-            <a:noAutofit/>
-          </a:bodyPr>
-          <a:lstStyle/>
-          <a:p>
-            <a:pPr marL="0" marR="0" lvl="0" indent="0" algn="ctr" rtl="0">
-              <a:lnSpc>
-                <a:spcPct val="100000"/>
-              </a:lnSpc>
-              <a:spcBef>
-                <a:spcPts val="0"/>
-              </a:spcBef>
-              <a:spcAft>
-                <a:spcPts val="0"/>
-              </a:spcAft>
-              <a:buClr>
-                <a:schemeClr val="lt1"/>
-              </a:buClr>
-              <a:buSzPct val="25000"/>
-              <a:buFont typeface="Open Sans"/>
-              <a:buNone/>
-            </a:pPr>
-            <a:r>
-              <a:rPr lang="en-US" sz="4000" b="0" i="0" u="none" strike="noStrike" cap="none" baseline="0">
-                <a:solidFill>
-                  <a:schemeClr val="lt1"/>
-                </a:solidFill>
-                <a:latin typeface="Open Sans"/>
-                <a:ea typeface="Open Sans"/>
-                <a:cs typeface="Open Sans"/>
-                <a:sym typeface="Open Sans"/>
-              </a:rPr>
-              <a:t>Last session</a:t>
-            </a:r>
-          </a:p>
-        </p:txBody>
-      </p:sp>
-      <p:sp>
-        <p:nvSpPr>
-          <p:cNvPr id="97" name="Shape 97"/>
-          <p:cNvSpPr txBox="1"/>
-          <p:nvPr/>
-        </p:nvSpPr>
-        <p:spPr>
-          <a:xfrm>
-            <a:off x="395287" y="3141661"/>
-            <a:ext cx="8135936" cy="2590800"/>
-          </a:xfrm>
-          <a:prstGeom prst="rect">
-            <a:avLst/>
-          </a:prstGeom>
-          <a:noFill/>
-          <a:ln>
-            <a:noFill/>
-          </a:ln>
-        </p:spPr>
-        <p:txBody>
-          <a:bodyPr lIns="91425" tIns="45700" rIns="91425" bIns="45700" anchor="ctr" anchorCtr="0">
-            <a:noAutofit/>
-          </a:bodyPr>
-          <a:lstStyle/>
-          <a:p>
-            <a:pPr marL="342900" marR="0" lvl="0" indent="-342900" algn="l" rtl="0">
-              <a:lnSpc>
-                <a:spcPct val="150000"/>
-              </a:lnSpc>
-              <a:spcBef>
-                <a:spcPts val="0"/>
-              </a:spcBef>
-              <a:spcAft>
-                <a:spcPts val="0"/>
-              </a:spcAft>
-              <a:buClr>
-                <a:srgbClr val="552438"/>
-              </a:buClr>
-              <a:buSzPct val="100000"/>
-              <a:buFont typeface="Arial"/>
-              <a:buChar char="•"/>
-            </a:pPr>
-            <a:r>
-              <a:rPr lang="en-US" sz="2000" b="0" i="0" u="none" strike="noStrike" cap="none" baseline="0">
-                <a:solidFill>
-                  <a:schemeClr val="dk1"/>
-                </a:solidFill>
-                <a:latin typeface="Open Sans"/>
-                <a:ea typeface="Open Sans"/>
-                <a:cs typeface="Open Sans"/>
-                <a:sym typeface="Open Sans"/>
-              </a:rPr>
-              <a:t>Exceptions</a:t>
-            </a:r>
-          </a:p>
-          <a:p>
-            <a:pPr marL="342900" marR="0" lvl="0" indent="-342900" algn="l" rtl="0">
-              <a:lnSpc>
-                <a:spcPct val="150000"/>
-              </a:lnSpc>
-              <a:spcBef>
-                <a:spcPts val="0"/>
-              </a:spcBef>
-              <a:spcAft>
-                <a:spcPts val="0"/>
-              </a:spcAft>
-              <a:buClr>
-                <a:srgbClr val="552438"/>
-              </a:buClr>
-              <a:buSzPct val="100000"/>
-              <a:buFont typeface="Arial"/>
-              <a:buChar char="•"/>
-            </a:pPr>
-            <a:r>
-              <a:rPr lang="en-US" sz="2000" b="0" i="0" u="none" strike="noStrike" cap="none" baseline="0">
-                <a:solidFill>
-                  <a:schemeClr val="dk1"/>
-                </a:solidFill>
-                <a:latin typeface="Open Sans"/>
-                <a:ea typeface="Open Sans"/>
-                <a:cs typeface="Open Sans"/>
-                <a:sym typeface="Open Sans"/>
-              </a:rPr>
-              <a:t>Collections interfaces</a:t>
-            </a:r>
-          </a:p>
-          <a:p>
-            <a:pPr marL="342900" marR="0" lvl="0" indent="-342900" algn="l" rtl="0">
-              <a:lnSpc>
-                <a:spcPct val="150000"/>
-              </a:lnSpc>
-              <a:spcBef>
-                <a:spcPts val="0"/>
-              </a:spcBef>
-              <a:spcAft>
-                <a:spcPts val="0"/>
-              </a:spcAft>
-              <a:buClr>
-                <a:srgbClr val="552438"/>
-              </a:buClr>
-              <a:buSzPct val="100000"/>
-              <a:buFont typeface="Arial"/>
-              <a:buChar char="•"/>
-            </a:pPr>
-            <a:r>
-              <a:rPr lang="en-US" sz="2000" b="0" i="0" u="none" strike="noStrike" cap="none" baseline="0">
-                <a:solidFill>
-                  <a:schemeClr val="dk1"/>
-                </a:solidFill>
-                <a:latin typeface="Open Sans"/>
-                <a:ea typeface="Open Sans"/>
-                <a:cs typeface="Open Sans"/>
-                <a:sym typeface="Open Sans"/>
-              </a:rPr>
-              <a:t>Iterators</a:t>
-            </a:r>
-          </a:p>
-        </p:txBody>
-      </p:sp>
-    </p:spTree>
-  </p:cSld>
-  <p:clrMapOvr>
-    <a:masterClrMapping/>
-  </p:clrMapOvr>
-  <p:transition spd="slow">
-    <p:cut/>
-  </p:transition>
-</p:sld>
-</file>
-
-<file path=ppt/slides/slide20.xml><?xml version="1.0" encoding="utf-8"?>
-<p:sld xmlns:a="http://schemas.openxmlformats.org/drawingml/2006/main" xmlns:r="http://schemas.openxmlformats.org/officeDocument/2006/relationships" xmlns:p="http://schemas.openxmlformats.org/presentationml/2006/main">
-  <p:cSld>
-    <p:bg>
-      <p:bgPr>
-        <a:blipFill rotWithShape="1">
-          <a:blip r:embed="rId3">
-            <a:alphaModFix/>
-          </a:blip>
-          <a:stretch>
-            <a:fillRect/>
-          </a:stretch>
-        </a:blipFill>
-        <a:effectLst/>
-      </p:bgPr>
-    </p:bg>
-    <p:spTree>
-      <p:nvGrpSpPr>
-        <p:cNvPr id="1" name="Shape 265"/>
-        <p:cNvGrpSpPr/>
-        <p:nvPr/>
-      </p:nvGrpSpPr>
-      <p:grpSpPr>
-        <a:xfrm>
-          <a:off x="0" y="0"/>
-          <a:ext cx="0" cy="0"/>
-          <a:chOff x="0" y="0"/>
-          <a:chExt cx="0" cy="0"/>
-        </a:xfrm>
-      </p:grpSpPr>
-      <p:pic>
-        <p:nvPicPr>
-          <p:cNvPr id="266" name="Shape 266"/>
-          <p:cNvPicPr preferRelativeResize="0"/>
-          <p:nvPr/>
-        </p:nvPicPr>
-        <p:blipFill rotWithShape="1">
-          <a:blip r:embed="rId4">
-            <a:alphaModFix/>
-          </a:blip>
-          <a:srcRect/>
-          <a:stretch/>
-        </p:blipFill>
-        <p:spPr>
-          <a:xfrm>
-            <a:off x="0" y="0"/>
-            <a:ext cx="9144000" cy="6858000"/>
-          </a:xfrm>
-          <a:prstGeom prst="rect">
-            <a:avLst/>
-          </a:prstGeom>
-          <a:noFill/>
-          <a:ln>
-            <a:noFill/>
-          </a:ln>
-        </p:spPr>
-      </p:pic>
-      <p:sp>
-        <p:nvSpPr>
-          <p:cNvPr id="267" name="Shape 267"/>
+          <p:cNvPr id="473" name="Shape 473"/>
           <p:cNvSpPr txBox="1"/>
           <p:nvPr/>
         </p:nvSpPr>
@@ -15734,7 +16218,7 @@
       </p:sp>
       <p:sp>
         <p:nvSpPr>
-          <p:cNvPr id="268" name="Shape 268"/>
+          <p:cNvPr id="474" name="Shape 474"/>
           <p:cNvSpPr txBox="1"/>
           <p:nvPr/>
         </p:nvSpPr>
@@ -15774,6 +16258,70 @@
               <a:buFont typeface="Open Sans"/>
               <a:buNone/>
             </a:pPr>
+            <a:r>
+              <a:rPr lang="en-US" sz="2000" b="0" i="0" u="none" strike="noStrike" cap="none" baseline="0" dirty="0" err="1" smtClean="0">
+                <a:solidFill>
+                  <a:schemeClr val="dk1"/>
+                </a:solidFill>
+                <a:latin typeface="Open Sans"/>
+                <a:ea typeface="Open Sans"/>
+                <a:cs typeface="Open Sans"/>
+                <a:sym typeface="Open Sans"/>
+              </a:rPr>
+              <a:t>Chaim</a:t>
+            </a:r>
+            <a:r>
+              <a:rPr lang="en-US" sz="2000" b="0" i="0" u="none" strike="noStrike" cap="none" baseline="0" dirty="0" smtClean="0">
+                <a:solidFill>
+                  <a:schemeClr val="dk1"/>
+                </a:solidFill>
+                <a:latin typeface="Open Sans"/>
+                <a:ea typeface="Open Sans"/>
+                <a:cs typeface="Open Sans"/>
+                <a:sym typeface="Open Sans"/>
+              </a:rPr>
+              <a:t> Turkel</a:t>
+            </a:r>
+            <a:endParaRPr lang="en-US" sz="2000" b="0" i="0" u="none" strike="noStrike" cap="none" baseline="0" dirty="0">
+              <a:solidFill>
+                <a:schemeClr val="dk1"/>
+              </a:solidFill>
+              <a:latin typeface="Open Sans"/>
+              <a:ea typeface="Open Sans"/>
+              <a:cs typeface="Open Sans"/>
+              <a:sym typeface="Open Sans"/>
+            </a:endParaRPr>
+          </a:p>
+          <a:p>
+            <a:pPr marL="0" marR="0" lvl="0" indent="0" algn="l" rtl="0">
+              <a:lnSpc>
+                <a:spcPct val="100000"/>
+              </a:lnSpc>
+              <a:spcBef>
+                <a:spcPts val="0"/>
+              </a:spcBef>
+              <a:spcAft>
+                <a:spcPts val="0"/>
+              </a:spcAft>
+              <a:buClr>
+                <a:schemeClr val="dk1"/>
+              </a:buClr>
+              <a:buSzPct val="25000"/>
+              <a:buFont typeface="Open Sans"/>
+              <a:buNone/>
+            </a:pPr>
+            <a:r>
+              <a:rPr lang="en-US" sz="2000" b="0" i="0" u="none" strike="noStrike" cap="none" baseline="0" dirty="0">
+                <a:solidFill>
+                  <a:schemeClr val="dk1"/>
+                </a:solidFill>
+                <a:latin typeface="Open Sans"/>
+                <a:ea typeface="Open Sans"/>
+                <a:cs typeface="Open Sans"/>
+                <a:sym typeface="Open Sans"/>
+              </a:rPr>
+              <a:t>Email</a:t>
+            </a:r>
             <a:r>
               <a:rPr lang="en-US" sz="2000" b="0" i="0" u="none" strike="noStrike" cap="none" baseline="0">
                 <a:solidFill>
@@ -15784,29 +16332,10 @@
                 <a:cs typeface="Open Sans"/>
                 <a:sym typeface="Open Sans"/>
               </a:rPr>
-              <a:t>Ido Barash</a:t>
+              <a:t>: </a:t>
             </a:r>
-          </a:p>
-          <a:p>
-            <a:pPr marL="0" marR="0" lvl="0" indent="0" algn="l" rtl="0">
-              <a:lnSpc>
-                <a:spcPct val="100000"/>
-              </a:lnSpc>
-              <a:spcBef>
-                <a:spcPts val="0"/>
-              </a:spcBef>
-              <a:spcAft>
-                <a:spcPts val="0"/>
-              </a:spcAft>
-              <a:buClr>
-                <a:schemeClr val="dk1"/>
-              </a:buClr>
-              <a:buSzPct val="25000"/>
-              <a:buFont typeface="Open Sans"/>
-              <a:buNone/>
-            </a:pPr>
             <a:r>
-              <a:rPr lang="en-US" sz="2000" b="0" i="0" u="none" strike="noStrike" cap="none" baseline="0">
+              <a:rPr lang="en-US" sz="2000" smtClean="0">
                 <a:solidFill>
                   <a:schemeClr val="dk1"/>
                 </a:solidFill>
@@ -15815,8 +16344,29 @@
                 <a:cs typeface="Open Sans"/>
                 <a:sym typeface="Open Sans"/>
               </a:rPr>
-              <a:t>Email: ido.barash@tikalk.com</a:t>
+              <a:t>chaim</a:t>
             </a:r>
+            <a:r>
+              <a:rPr lang="en-US" sz="2000" b="0" i="0" u="none" strike="noStrike" cap="none" baseline="0" smtClean="0">
+                <a:solidFill>
+                  <a:schemeClr val="dk1"/>
+                </a:solidFill>
+                <a:latin typeface="Open Sans"/>
+                <a:ea typeface="Open Sans"/>
+                <a:cs typeface="Open Sans"/>
+                <a:sym typeface="Open Sans"/>
+              </a:rPr>
+              <a:t>@tikalk.com</a:t>
+            </a:r>
+            <a:endParaRPr lang="en-US" sz="2000" b="0" i="0" u="none" strike="noStrike" cap="none" baseline="0" dirty="0">
+              <a:solidFill>
+                <a:schemeClr val="dk1"/>
+              </a:solidFill>
+              <a:latin typeface="Open Sans"/>
+              <a:ea typeface="Open Sans"/>
+              <a:cs typeface="Open Sans"/>
+              <a:sym typeface="Open Sans"/>
+            </a:endParaRPr>
           </a:p>
         </p:txBody>
       </p:sp>
@@ -15832,290 +16382,6 @@
 </file>
 
 <file path=ppt/slides/slide3.xml><?xml version="1.0" encoding="utf-8"?>
-<p:sld xmlns:a="http://schemas.openxmlformats.org/drawingml/2006/main" xmlns:r="http://schemas.openxmlformats.org/officeDocument/2006/relationships" xmlns:p="http://schemas.openxmlformats.org/presentationml/2006/main">
-  <p:cSld>
-    <p:bg>
-      <p:bgPr>
-        <a:blipFill rotWithShape="1">
-          <a:blip r:embed="rId3">
-            <a:alphaModFix/>
-          </a:blip>
-          <a:stretch>
-            <a:fillRect/>
-          </a:stretch>
-        </a:blipFill>
-        <a:effectLst/>
-      </p:bgPr>
-    </p:bg>
-    <p:spTree>
-      <p:nvGrpSpPr>
-        <p:cNvPr id="1" name="Shape 101"/>
-        <p:cNvGrpSpPr/>
-        <p:nvPr/>
-      </p:nvGrpSpPr>
-      <p:grpSpPr>
-        <a:xfrm>
-          <a:off x="0" y="0"/>
-          <a:ext cx="0" cy="0"/>
-          <a:chOff x="0" y="0"/>
-          <a:chExt cx="0" cy="0"/>
-        </a:xfrm>
-      </p:grpSpPr>
-      <p:pic>
-        <p:nvPicPr>
-          <p:cNvPr id="102" name="Shape 102"/>
-          <p:cNvPicPr preferRelativeResize="0"/>
-          <p:nvPr/>
-        </p:nvPicPr>
-        <p:blipFill rotWithShape="1">
-          <a:blip r:embed="rId4">
-            <a:alphaModFix/>
-          </a:blip>
-          <a:srcRect/>
-          <a:stretch/>
-        </p:blipFill>
-        <p:spPr>
-          <a:xfrm>
-            <a:off x="0" y="0"/>
-            <a:ext cx="9144000" cy="2284412"/>
-          </a:xfrm>
-          <a:prstGeom prst="rect">
-            <a:avLst/>
-          </a:prstGeom>
-          <a:noFill/>
-          <a:ln>
-            <a:noFill/>
-          </a:ln>
-        </p:spPr>
-      </p:pic>
-      <p:sp>
-        <p:nvSpPr>
-          <p:cNvPr id="103" name="Shape 103"/>
-          <p:cNvSpPr txBox="1"/>
-          <p:nvPr/>
-        </p:nvSpPr>
-        <p:spPr>
-          <a:xfrm>
-            <a:off x="468312" y="2565400"/>
-            <a:ext cx="8135936" cy="431799"/>
-          </a:xfrm>
-          <a:prstGeom prst="rect">
-            <a:avLst/>
-          </a:prstGeom>
-          <a:noFill/>
-          <a:ln>
-            <a:noFill/>
-          </a:ln>
-        </p:spPr>
-        <p:txBody>
-          <a:bodyPr lIns="91425" tIns="45700" rIns="91425" bIns="45700" anchor="ctr" anchorCtr="0">
-            <a:noAutofit/>
-          </a:bodyPr>
-          <a:lstStyle/>
-          <a:p>
-            <a:pPr marL="0" marR="0" lvl="0" indent="0" algn="r" rtl="1">
-              <a:lnSpc>
-                <a:spcPct val="100000"/>
-              </a:lnSpc>
-              <a:spcBef>
-                <a:spcPts val="0"/>
-              </a:spcBef>
-              <a:spcAft>
-                <a:spcPts val="0"/>
-              </a:spcAft>
-              <a:buNone/>
-            </a:pPr>
-            <a:endParaRPr sz="1800" b="0" i="0" u="none" strike="noStrike" cap="none" baseline="0">
-              <a:solidFill>
-                <a:schemeClr val="dk1"/>
-              </a:solidFill>
-              <a:latin typeface="Calibri"/>
-              <a:ea typeface="Calibri"/>
-              <a:cs typeface="Calibri"/>
-              <a:sym typeface="Calibri"/>
-            </a:endParaRPr>
-          </a:p>
-        </p:txBody>
-      </p:sp>
-      <p:sp>
-        <p:nvSpPr>
-          <p:cNvPr id="104" name="Shape 104"/>
-          <p:cNvSpPr txBox="1"/>
-          <p:nvPr/>
-        </p:nvSpPr>
-        <p:spPr>
-          <a:xfrm>
-            <a:off x="503237" y="2565400"/>
-            <a:ext cx="8135936" cy="1295400"/>
-          </a:xfrm>
-          <a:prstGeom prst="rect">
-            <a:avLst/>
-          </a:prstGeom>
-          <a:noFill/>
-          <a:ln>
-            <a:noFill/>
-          </a:ln>
-        </p:spPr>
-        <p:txBody>
-          <a:bodyPr lIns="91425" tIns="45700" rIns="91425" bIns="45700" anchor="ctr" anchorCtr="0">
-            <a:noAutofit/>
-          </a:bodyPr>
-          <a:lstStyle/>
-          <a:p>
-            <a:pPr marL="0" marR="0" lvl="0" indent="0" algn="r" rtl="1">
-              <a:lnSpc>
-                <a:spcPct val="100000"/>
-              </a:lnSpc>
-              <a:spcBef>
-                <a:spcPts val="0"/>
-              </a:spcBef>
-              <a:spcAft>
-                <a:spcPts val="0"/>
-              </a:spcAft>
-              <a:buNone/>
-            </a:pPr>
-            <a:endParaRPr sz="1800" b="0" i="0" u="none" strike="noStrike" cap="none" baseline="0">
-              <a:solidFill>
-                <a:schemeClr val="dk1"/>
-              </a:solidFill>
-              <a:latin typeface="Calibri"/>
-              <a:ea typeface="Calibri"/>
-              <a:cs typeface="Calibri"/>
-              <a:sym typeface="Calibri"/>
-            </a:endParaRPr>
-          </a:p>
-        </p:txBody>
-      </p:sp>
-      <p:sp>
-        <p:nvSpPr>
-          <p:cNvPr id="105" name="Shape 105"/>
-          <p:cNvSpPr txBox="1">
-            <a:spLocks noGrp="1"/>
-          </p:cNvSpPr>
-          <p:nvPr>
-            <p:ph type="ctrTitle"/>
-          </p:nvPr>
-        </p:nvSpPr>
-        <p:spPr>
-          <a:xfrm>
-            <a:off x="503237" y="1341437"/>
-            <a:ext cx="8137525" cy="1150936"/>
-          </a:xfrm>
-          <a:prstGeom prst="rect">
-            <a:avLst/>
-          </a:prstGeom>
-          <a:noFill/>
-          <a:ln>
-            <a:noFill/>
-          </a:ln>
-        </p:spPr>
-        <p:txBody>
-          <a:bodyPr lIns="91425" tIns="45700" rIns="91425" bIns="45700" anchor="ctr" anchorCtr="0">
-            <a:noAutofit/>
-          </a:bodyPr>
-          <a:lstStyle/>
-          <a:p>
-            <a:pPr marL="0" marR="0" lvl="0" indent="0" algn="ctr" rtl="0">
-              <a:lnSpc>
-                <a:spcPct val="100000"/>
-              </a:lnSpc>
-              <a:spcBef>
-                <a:spcPts val="0"/>
-              </a:spcBef>
-              <a:spcAft>
-                <a:spcPts val="0"/>
-              </a:spcAft>
-              <a:buClr>
-                <a:schemeClr val="lt1"/>
-              </a:buClr>
-              <a:buSzPct val="25000"/>
-              <a:buFont typeface="Open Sans"/>
-              <a:buNone/>
-            </a:pPr>
-            <a:r>
-              <a:rPr lang="en-US" sz="4000" b="0" i="0" u="none" strike="noStrike" cap="none" baseline="0">
-                <a:solidFill>
-                  <a:schemeClr val="lt1"/>
-                </a:solidFill>
-                <a:latin typeface="Open Sans"/>
-                <a:ea typeface="Open Sans"/>
-                <a:cs typeface="Open Sans"/>
-                <a:sym typeface="Open Sans"/>
-              </a:rPr>
-              <a:t>Java basics - 4</a:t>
-            </a:r>
-          </a:p>
-        </p:txBody>
-      </p:sp>
-      <p:sp>
-        <p:nvSpPr>
-          <p:cNvPr id="106" name="Shape 106"/>
-          <p:cNvSpPr txBox="1"/>
-          <p:nvPr/>
-        </p:nvSpPr>
-        <p:spPr>
-          <a:xfrm>
-            <a:off x="395287" y="3141661"/>
-            <a:ext cx="8135936" cy="2590800"/>
-          </a:xfrm>
-          <a:prstGeom prst="rect">
-            <a:avLst/>
-          </a:prstGeom>
-          <a:noFill/>
-          <a:ln>
-            <a:noFill/>
-          </a:ln>
-        </p:spPr>
-        <p:txBody>
-          <a:bodyPr lIns="91425" tIns="45700" rIns="91425" bIns="45700" anchor="ctr" anchorCtr="0">
-            <a:noAutofit/>
-          </a:bodyPr>
-          <a:lstStyle/>
-          <a:p>
-            <a:pPr marL="342900" marR="0" lvl="0" indent="-342900" algn="l" rtl="0">
-              <a:lnSpc>
-                <a:spcPct val="150000"/>
-              </a:lnSpc>
-              <a:spcBef>
-                <a:spcPts val="0"/>
-              </a:spcBef>
-              <a:spcAft>
-                <a:spcPts val="0"/>
-              </a:spcAft>
-              <a:buClr>
-                <a:srgbClr val="552438"/>
-              </a:buClr>
-              <a:buSzPct val="100000"/>
-              <a:buFont typeface="Arial"/>
-              <a:buChar char="•"/>
-            </a:pPr>
-            <a:r>
-              <a:rPr lang="en-US" sz="2000" b="0" i="0" u="none" strike="noStrike" cap="none" baseline="0">
-                <a:solidFill>
-                  <a:schemeClr val="dk1"/>
-                </a:solidFill>
-                <a:latin typeface="Open Sans"/>
-                <a:ea typeface="Open Sans"/>
-                <a:cs typeface="Open Sans"/>
-                <a:sym typeface="Open Sans"/>
-              </a:rPr>
-              <a:t>Generics</a:t>
-            </a:r>
-          </a:p>
-        </p:txBody>
-      </p:sp>
-    </p:spTree>
-  </p:cSld>
-  <p:clrMapOvr>
-    <a:masterClrMapping/>
-  </p:clrMapOvr>
-  <p:transition spd="slow">
-    <p:cut/>
-  </p:transition>
-</p:sld>
-</file>
-
-<file path=ppt/slides/slide4.xml><?xml version="1.0" encoding="utf-8"?>
 <p:sld xmlns:a="http://schemas.openxmlformats.org/drawingml/2006/main" xmlns:r="http://schemas.openxmlformats.org/officeDocument/2006/relationships" xmlns:p="http://schemas.openxmlformats.org/presentationml/2006/main">
   <p:cSld>
     <p:bg>
@@ -16568,10 +16834,17 @@
   <p:transition spd="slow">
     <p:cut/>
   </p:transition>
+  <p:timing>
+    <p:tnLst>
+      <p:par>
+        <p:cTn id="1" dur="indefinite" restart="never" nodeType="tmRoot"/>
+      </p:par>
+    </p:tnLst>
+  </p:timing>
 </p:sld>
 </file>
 
-<file path=ppt/slides/slide5.xml><?xml version="1.0" encoding="utf-8"?>
+<file path=ppt/slides/slide4.xml><?xml version="1.0" encoding="utf-8"?>
 <p:sld xmlns:a="http://schemas.openxmlformats.org/drawingml/2006/main" xmlns:r="http://schemas.openxmlformats.org/officeDocument/2006/relationships" xmlns:p="http://schemas.openxmlformats.org/presentationml/2006/main">
   <p:cSld>
     <p:bg>
@@ -16603,14 +16876,14 @@
       </p:grpSpPr>
       <p:sp>
         <p:nvSpPr>
-          <p:cNvPr id="118" name="Shape 118"/>
+          <p:cNvPr id="9" name="Shape 120"/>
           <p:cNvSpPr txBox="1"/>
           <p:nvPr/>
         </p:nvSpPr>
         <p:spPr>
           <a:xfrm>
-            <a:off x="468312" y="4738687"/>
-            <a:ext cx="7602536" cy="1282700"/>
+            <a:off x="457200" y="5867400"/>
+            <a:ext cx="7602536" cy="842961"/>
           </a:xfrm>
           <a:prstGeom prst="rect">
             <a:avLst/>
@@ -16660,6 +16933,63 @@
       </p:sp>
       <p:sp>
         <p:nvSpPr>
+          <p:cNvPr id="118" name="Shape 118"/>
+          <p:cNvSpPr txBox="1"/>
+          <p:nvPr/>
+        </p:nvSpPr>
+        <p:spPr>
+          <a:xfrm>
+            <a:off x="457200" y="4038600"/>
+            <a:ext cx="7602536" cy="1282700"/>
+          </a:xfrm>
+          <a:prstGeom prst="rect">
+            <a:avLst/>
+          </a:prstGeom>
+          <a:solidFill>
+            <a:schemeClr val="lt1"/>
+          </a:solidFill>
+          <a:ln w="12700" cap="flat" cmpd="sng">
+            <a:solidFill>
+              <a:srgbClr val="552438"/>
+            </a:solidFill>
+            <a:prstDash val="solid"/>
+            <a:miter/>
+            <a:headEnd type="none" w="med" len="med"/>
+            <a:tailEnd type="none" w="med" len="med"/>
+          </a:ln>
+        </p:spPr>
+        <p:txBody>
+          <a:bodyPr lIns="91425" tIns="45700" rIns="91425" bIns="45700" anchor="ctr" anchorCtr="0">
+            <a:noAutofit/>
+          </a:bodyPr>
+          <a:lstStyle/>
+          <a:p>
+            <a:pPr marL="0" marR="0" lvl="0" indent="0" algn="r" rtl="1">
+              <a:lnSpc>
+                <a:spcPct val="100000"/>
+              </a:lnSpc>
+              <a:spcBef>
+                <a:spcPts val="0"/>
+              </a:spcBef>
+              <a:spcAft>
+                <a:spcPts val="0"/>
+              </a:spcAft>
+              <a:buNone/>
+            </a:pPr>
+            <a:endParaRPr sz="1800" b="0" i="0" u="none" strike="noStrike" cap="none" baseline="0">
+              <a:solidFill>
+                <a:schemeClr val="dk1"/>
+              </a:solidFill>
+              <a:latin typeface="Calibri"/>
+              <a:ea typeface="Calibri"/>
+              <a:cs typeface="Calibri"/>
+              <a:sym typeface="Calibri"/>
+            </a:endParaRPr>
+          </a:p>
+        </p:txBody>
+      </p:sp>
+      <p:sp>
+        <p:nvSpPr>
           <p:cNvPr id="119" name="Shape 119"/>
           <p:cNvSpPr txBox="1"/>
           <p:nvPr/>
@@ -16667,7 +16997,7 @@
         <p:spPr>
           <a:xfrm>
             <a:off x="366712" y="1700211"/>
-            <a:ext cx="8135936" cy="2590800"/>
+            <a:ext cx="8135936" cy="1881189"/>
           </a:xfrm>
           <a:prstGeom prst="rect">
             <a:avLst/>
@@ -16701,7 +17031,7 @@
               <a:buChar char="•"/>
             </a:pPr>
             <a:r>
-              <a:rPr lang="en-US" sz="2000" b="0" i="0" u="none" strike="noStrike" cap="none" baseline="0">
+              <a:rPr lang="en-US" sz="2000" b="0" i="0" u="none" strike="noStrike" cap="none" baseline="0" dirty="0">
                 <a:solidFill>
                   <a:schemeClr val="dk1"/>
                 </a:solidFill>
@@ -16713,7 +17043,7 @@
               <a:t>Before Java 1.5:</a:t>
             </a:r>
             <a:br>
-              <a:rPr lang="en-US" sz="2000" b="0" i="0" u="none" strike="noStrike" cap="none" baseline="0">
+              <a:rPr lang="en-US" sz="2000" b="0" i="0" u="none" strike="noStrike" cap="none" baseline="0" dirty="0">
                 <a:solidFill>
                   <a:schemeClr val="dk1"/>
                 </a:solidFill>
@@ -16724,7 +17054,7 @@
               </a:rPr>
             </a:br>
             <a:r>
-              <a:rPr lang="en-US" sz="2000" b="0" i="0" u="none" strike="noStrike" cap="none" baseline="0">
+              <a:rPr lang="en-US" sz="2000" b="0" i="0" u="none" strike="noStrike" cap="none" baseline="0" dirty="0">
                 <a:solidFill>
                   <a:schemeClr val="dk1"/>
                 </a:solidFill>
@@ -16736,7 +17066,7 @@
               <a:t/>
             </a:r>
             <a:br>
-              <a:rPr lang="en-US" sz="2000" b="0" i="0" u="none" strike="noStrike" cap="none" baseline="0">
+              <a:rPr lang="en-US" sz="2000" b="0" i="0" u="none" strike="noStrike" cap="none" baseline="0" dirty="0">
                 <a:solidFill>
                   <a:schemeClr val="dk1"/>
                 </a:solidFill>
@@ -16747,7 +17077,7 @@
               </a:rPr>
             </a:br>
             <a:r>
-              <a:rPr lang="en-US" sz="2000" b="0" i="0" u="none" strike="noStrike" cap="none" baseline="0">
+              <a:rPr lang="en-US" sz="2000" b="0" i="0" u="none" strike="noStrike" cap="none" baseline="0" dirty="0">
                 <a:solidFill>
                   <a:schemeClr val="dk1"/>
                 </a:solidFill>
@@ -16759,7 +17089,7 @@
               <a:t/>
             </a:r>
             <a:br>
-              <a:rPr lang="en-US" sz="2000" b="0" i="0" u="none" strike="noStrike" cap="none" baseline="0">
+              <a:rPr lang="en-US" sz="2000" b="0" i="0" u="none" strike="noStrike" cap="none" baseline="0" dirty="0">
                 <a:solidFill>
                   <a:schemeClr val="dk1"/>
                 </a:solidFill>
@@ -16770,7 +17100,7 @@
               </a:rPr>
             </a:br>
             <a:r>
-              <a:rPr lang="en-US" sz="2000" b="0" i="0" u="none" strike="noStrike" cap="none" baseline="0">
+              <a:rPr lang="en-US" sz="2000" b="0" i="0" u="none" strike="noStrike" cap="none" baseline="0" dirty="0">
                 <a:solidFill>
                   <a:schemeClr val="dk1"/>
                 </a:solidFill>
@@ -16782,7 +17112,7 @@
               <a:t/>
             </a:r>
             <a:br>
-              <a:rPr lang="en-US" sz="2000" b="0" i="0" u="none" strike="noStrike" cap="none" baseline="0">
+              <a:rPr lang="en-US" sz="2000" b="0" i="0" u="none" strike="noStrike" cap="none" baseline="0" dirty="0">
                 <a:solidFill>
                   <a:schemeClr val="dk1"/>
                 </a:solidFill>
@@ -16792,7 +17122,74 @@
                 <a:sym typeface="Open Sans"/>
               </a:rPr>
             </a:br>
-            <a:endParaRPr lang="en-US" sz="2000" b="0" i="0" u="none" strike="noStrike" cap="none" baseline="0">
+            <a:r>
+              <a:rPr lang="en-US" sz="2000" b="0" i="0" u="none" strike="noStrike" cap="none" baseline="0" dirty="0" smtClean="0">
+                <a:solidFill>
+                  <a:schemeClr val="dk1"/>
+                </a:solidFill>
+                <a:latin typeface="Open Sans"/>
+                <a:ea typeface="Open Sans"/>
+                <a:cs typeface="Open Sans"/>
+                <a:sym typeface="Open Sans"/>
+              </a:rPr>
+              <a:t>After </a:t>
+            </a:r>
+            <a:r>
+              <a:rPr lang="en-US" sz="2000" b="0" i="0" u="none" strike="noStrike" cap="none" baseline="0" dirty="0">
+                <a:solidFill>
+                  <a:schemeClr val="dk1"/>
+                </a:solidFill>
+                <a:latin typeface="Open Sans"/>
+                <a:ea typeface="Open Sans"/>
+                <a:cs typeface="Open Sans"/>
+                <a:sym typeface="Open Sans"/>
+              </a:rPr>
+              <a:t>Java </a:t>
+            </a:r>
+            <a:r>
+              <a:rPr lang="en-US" sz="2000" b="0" i="0" u="none" strike="noStrike" cap="none" baseline="0" dirty="0" smtClean="0">
+                <a:solidFill>
+                  <a:schemeClr val="dk1"/>
+                </a:solidFill>
+                <a:latin typeface="Open Sans"/>
+                <a:ea typeface="Open Sans"/>
+                <a:cs typeface="Open Sans"/>
+                <a:sym typeface="Open Sans"/>
+              </a:rPr>
+              <a:t>1.5 </a:t>
+            </a:r>
+            <a:r>
+              <a:rPr lang="en-US" sz="2000" b="0" i="0" u="none" strike="noStrike" cap="none" dirty="0" smtClean="0">
+                <a:solidFill>
+                  <a:schemeClr val="dk1"/>
+                </a:solidFill>
+                <a:latin typeface="Open Sans"/>
+                <a:ea typeface="Open Sans"/>
+                <a:cs typeface="Open Sans"/>
+                <a:sym typeface="Open Sans"/>
+              </a:rPr>
+              <a:t>  (Erasure)</a:t>
+            </a:r>
+          </a:p>
+          <a:p>
+            <a:pPr marL="342900" marR="0" lvl="0" indent="-342900" algn="l" rtl="0">
+              <a:lnSpc>
+                <a:spcPct val="150000"/>
+              </a:lnSpc>
+              <a:spcBef>
+                <a:spcPts val="0"/>
+              </a:spcBef>
+              <a:spcAft>
+                <a:spcPts val="0"/>
+              </a:spcAft>
+              <a:buClr>
+                <a:srgbClr val="552438"/>
+              </a:buClr>
+              <a:buSzPct val="100000"/>
+              <a:buFont typeface="Arial"/>
+              <a:buChar char="•"/>
+            </a:pPr>
+            <a:endParaRPr lang="en-US" sz="2000" baseline="0" dirty="0" smtClean="0">
               <a:solidFill>
                 <a:schemeClr val="dk1"/>
               </a:solidFill>
@@ -16808,7 +17205,7 @@
                 <a:spcPct val="150000"/>
               </a:lnSpc>
               <a:spcBef>
-                <a:spcPts val="1800"/>
+                <a:spcPts val="0"/>
               </a:spcBef>
               <a:spcAft>
                 <a:spcPts val="0"/>
@@ -16820,8 +17217,62 @@
               <a:buFont typeface="Arial"/>
               <a:buChar char="•"/>
             </a:pPr>
+            <a:endParaRPr lang="en-US" sz="2000" b="0" i="0" u="none" strike="noStrike" cap="none" dirty="0" smtClean="0">
+              <a:solidFill>
+                <a:schemeClr val="dk1"/>
+              </a:solidFill>
+              <a:latin typeface="Open Sans"/>
+              <a:ea typeface="Open Sans"/>
+              <a:cs typeface="Open Sans"/>
+              <a:sym typeface="Open Sans"/>
+            </a:endParaRPr>
+          </a:p>
+          <a:p>
+            <a:pPr marL="342900" marR="0" lvl="0" indent="-342900" algn="l" rtl="0">
+              <a:lnSpc>
+                <a:spcPct val="150000"/>
+              </a:lnSpc>
+              <a:spcBef>
+                <a:spcPts val="0"/>
+              </a:spcBef>
+              <a:spcAft>
+                <a:spcPts val="0"/>
+              </a:spcAft>
+              <a:buClr>
+                <a:srgbClr val="552438"/>
+              </a:buClr>
+              <a:buSzPct val="100000"/>
+              <a:buFont typeface="Arial"/>
+              <a:buChar char="•"/>
+            </a:pPr>
+            <a:endParaRPr lang="en-US" sz="2000" baseline="0" dirty="0" smtClean="0">
+              <a:solidFill>
+                <a:schemeClr val="dk1"/>
+              </a:solidFill>
+              <a:latin typeface="Open Sans"/>
+              <a:ea typeface="Open Sans"/>
+              <a:cs typeface="Open Sans"/>
+              <a:sym typeface="Open Sans"/>
+            </a:endParaRPr>
+          </a:p>
+          <a:p>
+            <a:pPr marL="342900" marR="0" lvl="0" indent="-342900" algn="l" rtl="0">
+              <a:lnSpc>
+                <a:spcPct val="150000"/>
+              </a:lnSpc>
+              <a:spcBef>
+                <a:spcPts val="0"/>
+              </a:spcBef>
+              <a:spcAft>
+                <a:spcPts val="0"/>
+              </a:spcAft>
+              <a:buClr>
+                <a:srgbClr val="552438"/>
+              </a:buClr>
+              <a:buSzPct val="100000"/>
+            </a:pPr>
             <a:r>
-              <a:rPr lang="en-US" sz="2000" b="0" i="0" u="none" strike="noStrike" cap="none" baseline="0">
+              <a:rPr lang="en-US" sz="2000" b="0" i="0" u="none" strike="noStrike" cap="none" dirty="0" smtClean="0">
                 <a:solidFill>
                   <a:schemeClr val="dk1"/>
                 </a:solidFill>
@@ -16830,27 +17281,36 @@
                 <a:cs typeface="Open Sans"/>
                 <a:sym typeface="Open Sans"/>
               </a:rPr>
-              <a:t>After Java 1.5</a:t>
+              <a:t>Java 1.7</a:t>
             </a:r>
           </a:p>
           <a:p>
-            <a:pPr marL="342900" marR="0" lvl="0" indent="-215900" algn="l" rtl="0">
+            <a:pPr marL="342900" lvl="0" indent="-342900">
               <a:lnSpc>
                 <a:spcPct val="150000"/>
               </a:lnSpc>
-              <a:spcBef>
-                <a:spcPts val="1800"/>
-              </a:spcBef>
-              <a:spcAft>
-                <a:spcPts val="0"/>
-              </a:spcAft>
               <a:buClr>
                 <a:srgbClr val="552438"/>
               </a:buClr>
-              <a:buFont typeface="Arial"/>
-              <a:buNone/>
+              <a:buSzPct val="100000"/>
             </a:pPr>
-            <a:endParaRPr sz="2000" b="0" i="0" u="none" strike="noStrike" cap="none" baseline="0">
+            <a:r>
+              <a:rPr lang="en-US" sz="2000" dirty="0" err="1" smtClean="0"/>
+              <a:t>HashMap</a:t>
+            </a:r>
+            <a:r>
+              <a:rPr lang="en-US" sz="2000" dirty="0" smtClean="0"/>
+              <a:t>&lt;String, Set&lt;Integer&gt;&gt; contacts = new </a:t>
+            </a:r>
+            <a:r>
+              <a:rPr lang="en-US" sz="2000" dirty="0" err="1" smtClean="0"/>
+              <a:t>HashMap</a:t>
+            </a:r>
+            <a:r>
+              <a:rPr lang="en-US" sz="2000" dirty="0" smtClean="0"/>
+              <a:t>&lt;&gt;()</a:t>
+            </a:r>
+            <a:endParaRPr lang="en-US" sz="2000" b="0" i="0" u="none" strike="noStrike" cap="none" baseline="0" dirty="0">
               <a:solidFill>
                 <a:schemeClr val="dk1"/>
               </a:solidFill>
@@ -16861,7 +17321,7 @@
             </a:endParaRPr>
           </a:p>
           <a:p>
-            <a:pPr marL="342900" marR="0" lvl="0" indent="-342900" algn="l" rtl="0">
+            <a:pPr marL="342900" marR="0" lvl="0" indent="-215900" algn="l" rtl="0">
               <a:lnSpc>
                 <a:spcPct val="150000"/>
               </a:lnSpc>
@@ -16872,12 +17332,12 @@
                 <a:spcPts val="0"/>
               </a:spcAft>
               <a:buClr>
-                <a:schemeClr val="dk1"/>
+                <a:srgbClr val="552438"/>
               </a:buClr>
-              <a:buFont typeface="Calibri"/>
+              <a:buFont typeface="Arial"/>
               <a:buNone/>
             </a:pPr>
-            <a:endParaRPr sz="2000" b="0" i="0" u="none" strike="noStrike" cap="none" baseline="0">
+            <a:endParaRPr sz="2000" b="0" i="0" u="none" strike="noStrike" cap="none" baseline="0" dirty="0">
               <a:solidFill>
                 <a:schemeClr val="dk1"/>
               </a:solidFill>
@@ -16888,23 +17348,23 @@
             </a:endParaRPr>
           </a:p>
           <a:p>
-            <a:pPr marL="342900" marR="0" lvl="0" indent="-215900" algn="l" rtl="0">
+            <a:pPr marL="342900" marR="0" lvl="0" indent="-342900" algn="l" rtl="0">
               <a:lnSpc>
                 <a:spcPct val="150000"/>
               </a:lnSpc>
               <a:spcBef>
-                <a:spcPts val="0"/>
+                <a:spcPts val="1800"/>
               </a:spcBef>
               <a:spcAft>
                 <a:spcPts val="0"/>
               </a:spcAft>
               <a:buClr>
-                <a:srgbClr val="552438"/>
+                <a:schemeClr val="dk1"/>
               </a:buClr>
-              <a:buFont typeface="Arial"/>
+              <a:buFont typeface="Calibri"/>
               <a:buNone/>
             </a:pPr>
-            <a:endParaRPr sz="2000" b="0" i="0" u="none" strike="noStrike" cap="none" baseline="0">
+            <a:endParaRPr sz="2000" b="0" i="0" u="none" strike="noStrike" cap="none" baseline="0" dirty="0">
               <a:solidFill>
                 <a:schemeClr val="dk1"/>
               </a:solidFill>
@@ -16931,7 +17391,7 @@
               <a:buFont typeface="Arial"/>
               <a:buNone/>
             </a:pPr>
-            <a:endParaRPr sz="2000" b="0" i="0" u="none" strike="noStrike" cap="none" baseline="0">
+            <a:endParaRPr sz="2000" b="0" i="0" u="none" strike="noStrike" cap="none" baseline="0" dirty="0">
               <a:solidFill>
                 <a:schemeClr val="dk1"/>
               </a:solidFill>
@@ -16942,6 +17402,33 @@
             </a:endParaRPr>
           </a:p>
           <a:p>
+            <a:pPr marL="342900" marR="0" lvl="0" indent="-215900" algn="l" rtl="0">
+              <a:lnSpc>
+                <a:spcPct val="150000"/>
+              </a:lnSpc>
+              <a:spcBef>
+                <a:spcPts val="0"/>
+              </a:spcBef>
+              <a:spcAft>
+                <a:spcPts val="0"/>
+              </a:spcAft>
+              <a:buClr>
+                <a:srgbClr val="552438"/>
+              </a:buClr>
+              <a:buFont typeface="Arial"/>
+              <a:buNone/>
+            </a:pPr>
+            <a:endParaRPr sz="2000" b="0" i="0" u="none" strike="noStrike" cap="none" baseline="0" dirty="0">
+              <a:solidFill>
+                <a:schemeClr val="dk1"/>
+              </a:solidFill>
+              <a:latin typeface="Open Sans"/>
+              <a:ea typeface="Open Sans"/>
+              <a:cs typeface="Open Sans"/>
+              <a:sym typeface="Open Sans"/>
+            </a:endParaRPr>
+          </a:p>
+          <a:p>
             <a:pPr marL="0" marR="0" lvl="0" indent="0" algn="r" rtl="1">
               <a:lnSpc>
                 <a:spcPct val="100000"/>
@@ -16954,7 +17441,7 @@
               </a:spcAft>
               <a:buNone/>
             </a:pPr>
-            <a:endParaRPr sz="2000" b="0" i="0" u="none" strike="noStrike" cap="none" baseline="0">
+            <a:endParaRPr sz="2000" b="0" i="0" u="none" strike="noStrike" cap="none" baseline="0" dirty="0">
               <a:solidFill>
                 <a:schemeClr val="dk1"/>
               </a:solidFill>
@@ -17153,7 +17640,7 @@
         </p:blipFill>
         <p:spPr>
           <a:xfrm>
-            <a:off x="825500" y="4868862"/>
+            <a:off x="762000" y="4191000"/>
             <a:ext cx="4229100" cy="962024"/>
           </a:xfrm>
           <a:prstGeom prst="rect">
@@ -17173,10 +17660,17 @@
   <p:transition spd="slow">
     <p:cut/>
   </p:transition>
+  <p:timing>
+    <p:tnLst>
+      <p:par>
+        <p:cTn id="1" dur="indefinite" restart="never" nodeType="tmRoot"/>
+      </p:par>
+    </p:tnLst>
+  </p:timing>
 </p:sld>
 </file>
 
-<file path=ppt/slides/slide6.xml><?xml version="1.0" encoding="utf-8"?>
+<file path=ppt/slides/slide5.xml><?xml version="1.0" encoding="utf-8"?>
 <p:sld xmlns:a="http://schemas.openxmlformats.org/drawingml/2006/main" xmlns:r="http://schemas.openxmlformats.org/officeDocument/2006/relationships" xmlns:p="http://schemas.openxmlformats.org/presentationml/2006/main">
   <p:cSld>
     <p:bg>
@@ -17617,10 +18111,17 @@
   <p:transition spd="slow">
     <p:cut/>
   </p:transition>
+  <p:timing>
+    <p:tnLst>
+      <p:par>
+        <p:cTn id="1" dur="indefinite" restart="never" nodeType="tmRoot"/>
+      </p:par>
+    </p:tnLst>
+  </p:timing>
 </p:sld>
 </file>
 
-<file path=ppt/slides/slide7.xml><?xml version="1.0" encoding="utf-8"?>
+<file path=ppt/slides/slide6.xml><?xml version="1.0" encoding="utf-8"?>
 <p:sld xmlns:a="http://schemas.openxmlformats.org/drawingml/2006/main" xmlns:r="http://schemas.openxmlformats.org/officeDocument/2006/relationships" xmlns:p="http://schemas.openxmlformats.org/presentationml/2006/main">
   <p:cSld>
     <p:bg>
@@ -18395,10 +18896,17 @@
   <p:transition spd="slow">
     <p:cut/>
   </p:transition>
+  <p:timing>
+    <p:tnLst>
+      <p:par>
+        <p:cTn id="1" dur="indefinite" restart="never" nodeType="tmRoot"/>
+      </p:par>
+    </p:tnLst>
+  </p:timing>
 </p:sld>
 </file>
 
-<file path=ppt/slides/slide8.xml><?xml version="1.0" encoding="utf-8"?>
+<file path=ppt/slides/slide7.xml><?xml version="1.0" encoding="utf-8"?>
 <p:sld xmlns:a="http://schemas.openxmlformats.org/drawingml/2006/main" xmlns:r="http://schemas.openxmlformats.org/officeDocument/2006/relationships" xmlns:p="http://schemas.openxmlformats.org/presentationml/2006/main">
   <p:cSld>
     <p:bg>
@@ -18953,10 +19461,17 @@
   <p:transition spd="slow">
     <p:cut/>
   </p:transition>
+  <p:timing>
+    <p:tnLst>
+      <p:par>
+        <p:cTn id="1" dur="indefinite" restart="never" nodeType="tmRoot"/>
+      </p:par>
+    </p:tnLst>
+  </p:timing>
 </p:sld>
 </file>
 
-<file path=ppt/slides/slide9.xml><?xml version="1.0" encoding="utf-8"?>
+<file path=ppt/slides/slide8.xml><?xml version="1.0" encoding="utf-8"?>
 <p:sld xmlns:a="http://schemas.openxmlformats.org/drawingml/2006/main" xmlns:r="http://schemas.openxmlformats.org/officeDocument/2006/relationships" xmlns:p="http://schemas.openxmlformats.org/presentationml/2006/main">
   <p:cSld>
     <p:bg>
@@ -19393,6 +19908,337 @@
   <p:transition spd="slow">
     <p:cut/>
   </p:transition>
+  <p:timing>
+    <p:tnLst>
+      <p:par>
+        <p:cTn id="1" dur="indefinite" restart="never" nodeType="tmRoot"/>
+      </p:par>
+    </p:tnLst>
+  </p:timing>
+</p:sld>
+</file>
+
+<file path=ppt/slides/slide9.xml><?xml version="1.0" encoding="utf-8"?>
+<p:sld xmlns:a="http://schemas.openxmlformats.org/drawingml/2006/main" xmlns:r="http://schemas.openxmlformats.org/officeDocument/2006/relationships" xmlns:p="http://schemas.openxmlformats.org/presentationml/2006/main">
+  <p:cSld>
+    <p:bg>
+      <p:bgPr>
+        <a:blipFill rotWithShape="1">
+          <a:blip r:embed="rId3">
+            <a:alphaModFix/>
+          </a:blip>
+          <a:stretch>
+            <a:fillRect/>
+          </a:stretch>
+        </a:blipFill>
+        <a:effectLst/>
+      </p:bgPr>
+    </p:bg>
+    <p:spTree>
+      <p:nvGrpSpPr>
+        <p:cNvPr id="1" name="Shape 170"/>
+        <p:cNvGrpSpPr/>
+        <p:nvPr/>
+      </p:nvGrpSpPr>
+      <p:grpSpPr>
+        <a:xfrm>
+          <a:off x="0" y="0"/>
+          <a:ext cx="0" cy="0"/>
+          <a:chOff x="0" y="0"/>
+          <a:chExt cx="0" cy="0"/>
+        </a:xfrm>
+      </p:grpSpPr>
+      <p:sp>
+        <p:nvSpPr>
+          <p:cNvPr id="171" name="Shape 171"/>
+          <p:cNvSpPr txBox="1"/>
+          <p:nvPr/>
+        </p:nvSpPr>
+        <p:spPr>
+          <a:xfrm>
+            <a:off x="366712" y="1700211"/>
+            <a:ext cx="8135936" cy="2590800"/>
+          </a:xfrm>
+          <a:prstGeom prst="rect">
+            <a:avLst/>
+          </a:prstGeom>
+          <a:noFill/>
+          <a:ln>
+            <a:noFill/>
+          </a:ln>
+        </p:spPr>
+        <p:txBody>
+          <a:bodyPr lIns="91425" tIns="45700" rIns="91425" bIns="45700" anchor="t" anchorCtr="0">
+            <a:noAutofit/>
+          </a:bodyPr>
+          <a:lstStyle/>
+          <a:p>
+            <a:pPr marL="342900" marR="0" lvl="0" indent="-342900" algn="l" rtl="0">
+              <a:lnSpc>
+                <a:spcPct val="150000"/>
+              </a:lnSpc>
+              <a:spcBef>
+                <a:spcPts val="0"/>
+              </a:spcBef>
+              <a:spcAft>
+                <a:spcPts val="0"/>
+              </a:spcAft>
+              <a:buClr>
+                <a:srgbClr val="552438"/>
+              </a:buClr>
+              <a:buSzPct val="100000"/>
+              <a:buFont typeface="Arial"/>
+              <a:buChar char="•"/>
+            </a:pPr>
+            <a:r>
+              <a:rPr lang="en-US" sz="2000" b="0" i="0" u="none" strike="noStrike" cap="none" baseline="0">
+                <a:solidFill>
+                  <a:schemeClr val="dk1"/>
+                </a:solidFill>
+                <a:latin typeface="Open Sans"/>
+                <a:ea typeface="Open Sans"/>
+                <a:cs typeface="Open Sans"/>
+                <a:sym typeface="Open Sans"/>
+              </a:rPr>
+              <a:t>Sometime we know that a collection will have a parameter type but we just don’t know what it is write now.</a:t>
+            </a:r>
+          </a:p>
+          <a:p>
+            <a:pPr marL="342900" marR="0" lvl="0" indent="-215900" algn="l" rtl="0">
+              <a:lnSpc>
+                <a:spcPct val="150000"/>
+              </a:lnSpc>
+              <a:spcBef>
+                <a:spcPts val="1800"/>
+              </a:spcBef>
+              <a:spcAft>
+                <a:spcPts val="0"/>
+              </a:spcAft>
+              <a:buClr>
+                <a:srgbClr val="552438"/>
+              </a:buClr>
+              <a:buFont typeface="Arial"/>
+              <a:buNone/>
+            </a:pPr>
+            <a:endParaRPr sz="2000" b="0" i="0" u="none" strike="noStrike" cap="none" baseline="0">
+              <a:solidFill>
+                <a:schemeClr val="dk1"/>
+              </a:solidFill>
+              <a:latin typeface="Open Sans"/>
+              <a:ea typeface="Open Sans"/>
+              <a:cs typeface="Open Sans"/>
+              <a:sym typeface="Open Sans"/>
+            </a:endParaRPr>
+          </a:p>
+          <a:p>
+            <a:pPr marL="342900" marR="0" lvl="0" indent="-215900" algn="l" rtl="0">
+              <a:lnSpc>
+                <a:spcPct val="150000"/>
+              </a:lnSpc>
+              <a:spcBef>
+                <a:spcPts val="1800"/>
+              </a:spcBef>
+              <a:spcAft>
+                <a:spcPts val="0"/>
+              </a:spcAft>
+              <a:buClr>
+                <a:srgbClr val="552438"/>
+              </a:buClr>
+              <a:buFont typeface="Arial"/>
+              <a:buNone/>
+            </a:pPr>
+            <a:endParaRPr sz="2000" b="0" i="0" u="none" strike="noStrike" cap="none" baseline="0">
+              <a:solidFill>
+                <a:schemeClr val="dk1"/>
+              </a:solidFill>
+              <a:latin typeface="Open Sans"/>
+              <a:ea typeface="Open Sans"/>
+              <a:cs typeface="Open Sans"/>
+              <a:sym typeface="Open Sans"/>
+            </a:endParaRPr>
+          </a:p>
+          <a:p>
+            <a:pPr marL="342900" marR="0" lvl="0" indent="-215900" algn="l" rtl="0">
+              <a:lnSpc>
+                <a:spcPct val="150000"/>
+              </a:lnSpc>
+              <a:spcBef>
+                <a:spcPts val="1800"/>
+              </a:spcBef>
+              <a:spcAft>
+                <a:spcPts val="0"/>
+              </a:spcAft>
+              <a:buClr>
+                <a:srgbClr val="552438"/>
+              </a:buClr>
+              <a:buFont typeface="Arial"/>
+              <a:buNone/>
+            </a:pPr>
+            <a:endParaRPr sz="2000" b="0" i="0" u="none" strike="noStrike" cap="none" baseline="0">
+              <a:solidFill>
+                <a:schemeClr val="dk1"/>
+              </a:solidFill>
+              <a:latin typeface="Open Sans"/>
+              <a:ea typeface="Open Sans"/>
+              <a:cs typeface="Open Sans"/>
+              <a:sym typeface="Open Sans"/>
+            </a:endParaRPr>
+          </a:p>
+          <a:p>
+            <a:pPr marL="342900" marR="0" lvl="0" indent="-215900" algn="l" rtl="0">
+              <a:lnSpc>
+                <a:spcPct val="150000"/>
+              </a:lnSpc>
+              <a:spcBef>
+                <a:spcPts val="0"/>
+              </a:spcBef>
+              <a:spcAft>
+                <a:spcPts val="0"/>
+              </a:spcAft>
+              <a:buClr>
+                <a:srgbClr val="552438"/>
+              </a:buClr>
+              <a:buFont typeface="Arial"/>
+              <a:buNone/>
+            </a:pPr>
+            <a:endParaRPr sz="2000" b="0" i="0" u="none" strike="noStrike" cap="none" baseline="0">
+              <a:solidFill>
+                <a:schemeClr val="dk1"/>
+              </a:solidFill>
+              <a:latin typeface="Open Sans"/>
+              <a:ea typeface="Open Sans"/>
+              <a:cs typeface="Open Sans"/>
+              <a:sym typeface="Open Sans"/>
+            </a:endParaRPr>
+          </a:p>
+          <a:p>
+            <a:pPr marL="0" marR="0" lvl="0" indent="0" algn="r" rtl="1">
+              <a:lnSpc>
+                <a:spcPct val="100000"/>
+              </a:lnSpc>
+              <a:spcBef>
+                <a:spcPts val="0"/>
+              </a:spcBef>
+              <a:spcAft>
+                <a:spcPts val="0"/>
+              </a:spcAft>
+              <a:buNone/>
+            </a:pPr>
+            <a:endParaRPr sz="2000" b="0" i="0" u="none" strike="noStrike" cap="none" baseline="0">
+              <a:solidFill>
+                <a:schemeClr val="dk1"/>
+              </a:solidFill>
+              <a:latin typeface="Open Sans"/>
+              <a:ea typeface="Open Sans"/>
+              <a:cs typeface="Open Sans"/>
+              <a:sym typeface="Open Sans"/>
+            </a:endParaRPr>
+          </a:p>
+        </p:txBody>
+      </p:sp>
+      <p:sp>
+        <p:nvSpPr>
+          <p:cNvPr id="172" name="Shape 172"/>
+          <p:cNvSpPr txBox="1">
+            <a:spLocks noGrp="1"/>
+          </p:cNvSpPr>
+          <p:nvPr>
+            <p:ph type="ctrTitle"/>
+          </p:nvPr>
+        </p:nvSpPr>
+        <p:spPr>
+          <a:xfrm>
+            <a:off x="1547812" y="549275"/>
+            <a:ext cx="8137525" cy="1150936"/>
+          </a:xfrm>
+          <a:prstGeom prst="rect">
+            <a:avLst/>
+          </a:prstGeom>
+          <a:noFill/>
+          <a:ln>
+            <a:noFill/>
+          </a:ln>
+        </p:spPr>
+        <p:txBody>
+          <a:bodyPr lIns="91425" tIns="45700" rIns="91425" bIns="45700" anchor="ctr" anchorCtr="0">
+            <a:noAutofit/>
+          </a:bodyPr>
+          <a:lstStyle/>
+          <a:p>
+            <a:pPr marL="0" marR="0" lvl="0" indent="0" algn="l" rtl="0">
+              <a:lnSpc>
+                <a:spcPct val="100000"/>
+              </a:lnSpc>
+              <a:spcBef>
+                <a:spcPts val="0"/>
+              </a:spcBef>
+              <a:spcAft>
+                <a:spcPts val="0"/>
+              </a:spcAft>
+              <a:buClr>
+                <a:schemeClr val="dk1"/>
+              </a:buClr>
+              <a:buSzPct val="25000"/>
+              <a:buFont typeface="Open Sans"/>
+              <a:buNone/>
+            </a:pPr>
+            <a:r>
+              <a:rPr lang="en-US" sz="4000" b="0" i="0" u="none" strike="noStrike" cap="none" baseline="0">
+                <a:solidFill>
+                  <a:schemeClr val="dk1"/>
+                </a:solidFill>
+                <a:latin typeface="Open Sans"/>
+                <a:ea typeface="Open Sans"/>
+                <a:cs typeface="Open Sans"/>
+                <a:sym typeface="Open Sans"/>
+              </a:rPr>
+              <a:t>Generics </a:t>
+            </a:r>
+          </a:p>
+        </p:txBody>
+      </p:sp>
+      <p:pic>
+        <p:nvPicPr>
+          <p:cNvPr id="173" name="Shape 173"/>
+          <p:cNvPicPr preferRelativeResize="0"/>
+          <p:nvPr/>
+        </p:nvPicPr>
+        <p:blipFill rotWithShape="1">
+          <a:blip r:embed="rId4">
+            <a:alphaModFix/>
+          </a:blip>
+          <a:srcRect/>
+          <a:stretch/>
+        </p:blipFill>
+        <p:spPr>
+          <a:xfrm>
+            <a:off x="584200" y="260350"/>
+            <a:ext cx="747711" cy="1184275"/>
+          </a:xfrm>
+          <a:prstGeom prst="rect">
+            <a:avLst/>
+          </a:prstGeom>
+          <a:noFill/>
+          <a:ln>
+            <a:noFill/>
+          </a:ln>
+        </p:spPr>
+      </p:pic>
+    </p:spTree>
+  </p:cSld>
+  <p:clrMapOvr>
+    <a:masterClrMapping/>
+  </p:clrMapOvr>
+  <p:transition spd="slow">
+    <p:cut/>
+  </p:transition>
+  <p:timing>
+    <p:tnLst>
+      <p:par>
+        <p:cTn id="1" dur="indefinite" restart="never" nodeType="tmRoot"/>
+      </p:par>
+    </p:tnLst>
+  </p:timing>
 </p:sld>
 </file>
 
